--- a/JS 스코프와 클로저.pptx
+++ b/JS 스코프와 클로저.pptx
@@ -5,16 +5,23 @@
     <p:sldMasterId id="2147483840" r:id="rId1"/>
   </p:sldMasterIdLst>
   <p:notesMasterIdLst>
-    <p:notesMasterId r:id="rId9"/>
+    <p:notesMasterId r:id="rId16"/>
   </p:notesMasterIdLst>
   <p:sldIdLst>
     <p:sldId id="256" r:id="rId2"/>
     <p:sldId id="258" r:id="rId3"/>
     <p:sldId id="257" r:id="rId4"/>
-    <p:sldId id="260" r:id="rId5"/>
-    <p:sldId id="259" r:id="rId6"/>
-    <p:sldId id="261" r:id="rId7"/>
-    <p:sldId id="262" r:id="rId8"/>
+    <p:sldId id="263" r:id="rId5"/>
+    <p:sldId id="264" r:id="rId6"/>
+    <p:sldId id="265" r:id="rId7"/>
+    <p:sldId id="260" r:id="rId8"/>
+    <p:sldId id="259" r:id="rId9"/>
+    <p:sldId id="262" r:id="rId10"/>
+    <p:sldId id="261" r:id="rId11"/>
+    <p:sldId id="266" r:id="rId12"/>
+    <p:sldId id="267" r:id="rId13"/>
+    <p:sldId id="269" r:id="rId14"/>
+    <p:sldId id="268" r:id="rId15"/>
   </p:sldIdLst>
   <p:sldSz cx="12192000" cy="6858000"/>
   <p:notesSz cx="9144000" cy="6858000"/>
@@ -113,6 +120,25 @@
       </a:defRPr>
     </a:lvl9pPr>
   </p:defaultTextStyle>
+  <p:extLst>
+    <p:ext uri="{EFAFB233-063F-42B5-8137-9DF3F51BA10A}">
+      <p15:sldGuideLst xmlns:p15="http://schemas.microsoft.com/office/powerpoint/2012/main">
+        <p15:guide id="1" orient="horz" pos="2160">
+          <p15:clr>
+            <a:srgbClr val="A4A3A4"/>
+          </p15:clr>
+        </p15:guide>
+        <p15:guide id="2" pos="3840">
+          <p15:clr>
+            <a:srgbClr val="A4A3A4"/>
+          </p15:clr>
+        </p15:guide>
+      </p15:sldGuideLst>
+    </p:ext>
+    <p:ext uri="{2D200454-40CA-4A62-9FC3-DE9A4176ACB9}">
+      <p15:notesGuideLst xmlns:p15="http://schemas.microsoft.com/office/powerpoint/2012/main"/>
+    </p:ext>
+  </p:extLst>
 </p:presentation>
 </file>
 
@@ -198,7 +224,7 @@
           <a:p>
             <a:fld id="{4C85DA7A-38A0-4BC2-BE5C-1291F0DDDD3F}" type="datetimeFigureOut">
               <a:rPr lang="ko-KR" altLang="en-US" smtClean="0"/>
-              <a:t>2018-06-13</a:t>
+              <a:t>2018-06-14</a:t>
             </a:fld>
             <a:endParaRPr lang="ko-KR" altLang="en-US"/>
           </a:p>
@@ -691,7 +717,7 @@
             <a:fld id="{5586B75A-687E-405C-8A0B-8D00578BA2C3}" type="datetimeFigureOut">
               <a:rPr lang="en-US" dirty="0"/>
               <a:pPr/>
-              <a:t>6/13/2018</a:t>
+              <a:t>6/14/2018</a:t>
             </a:fld>
             <a:endParaRPr lang="en-US" dirty="0"/>
           </a:p>
@@ -865,7 +891,7 @@
             <a:fld id="{5586B75A-687E-405C-8A0B-8D00578BA2C3}" type="datetimeFigureOut">
               <a:rPr lang="en-US" dirty="0"/>
               <a:pPr/>
-              <a:t>6/13/2018</a:t>
+              <a:t>6/14/2018</a:t>
             </a:fld>
             <a:endParaRPr lang="en-US" dirty="0"/>
           </a:p>
@@ -1042,7 +1068,7 @@
             <a:fld id="{5586B75A-687E-405C-8A0B-8D00578BA2C3}" type="datetimeFigureOut">
               <a:rPr lang="en-US" dirty="0"/>
               <a:pPr/>
-              <a:t>6/13/2018</a:t>
+              <a:t>6/14/2018</a:t>
             </a:fld>
             <a:endParaRPr lang="en-US" dirty="0"/>
           </a:p>
@@ -1218,7 +1244,7 @@
             <a:fld id="{5586B75A-687E-405C-8A0B-8D00578BA2C3}" type="datetimeFigureOut">
               <a:rPr lang="en-US" dirty="0"/>
               <a:pPr/>
-              <a:t>6/13/2018</a:t>
+              <a:t>6/14/2018</a:t>
             </a:fld>
             <a:endParaRPr lang="en-US" dirty="0"/>
           </a:p>
@@ -1480,7 +1506,7 @@
             <a:fld id="{5586B75A-687E-405C-8A0B-8D00578BA2C3}" type="datetimeFigureOut">
               <a:rPr lang="en-US" dirty="0"/>
               <a:pPr/>
-              <a:t>6/13/2018</a:t>
+              <a:t>6/14/2018</a:t>
             </a:fld>
             <a:endParaRPr lang="en-US" dirty="0"/>
           </a:p>
@@ -1772,7 +1798,7 @@
             <a:fld id="{5586B75A-687E-405C-8A0B-8D00578BA2C3}" type="datetimeFigureOut">
               <a:rPr lang="en-US" dirty="0"/>
               <a:pPr/>
-              <a:t>6/13/2018</a:t>
+              <a:t>6/14/2018</a:t>
             </a:fld>
             <a:endParaRPr lang="en-US" dirty="0"/>
           </a:p>
@@ -2218,7 +2244,7 @@
             <a:fld id="{5586B75A-687E-405C-8A0B-8D00578BA2C3}" type="datetimeFigureOut">
               <a:rPr lang="en-US" dirty="0"/>
               <a:pPr/>
-              <a:t>6/13/2018</a:t>
+              <a:t>6/14/2018</a:t>
             </a:fld>
             <a:endParaRPr lang="en-US" dirty="0"/>
           </a:p>
@@ -2340,7 +2366,7 @@
             <a:fld id="{5586B75A-687E-405C-8A0B-8D00578BA2C3}" type="datetimeFigureOut">
               <a:rPr lang="en-US" dirty="0"/>
               <a:pPr/>
-              <a:t>6/13/2018</a:t>
+              <a:t>6/14/2018</a:t>
             </a:fld>
             <a:endParaRPr lang="en-US" dirty="0"/>
           </a:p>
@@ -2439,7 +2465,7 @@
             <a:fld id="{5586B75A-687E-405C-8A0B-8D00578BA2C3}" type="datetimeFigureOut">
               <a:rPr lang="en-US" dirty="0"/>
               <a:pPr/>
-              <a:t>6/13/2018</a:t>
+              <a:t>6/14/2018</a:t>
             </a:fld>
             <a:endParaRPr lang="en-US" dirty="0"/>
           </a:p>
@@ -2731,7 +2757,7 @@
             <a:fld id="{5586B75A-687E-405C-8A0B-8D00578BA2C3}" type="datetimeFigureOut">
               <a:rPr lang="en-US" dirty="0"/>
               <a:pPr/>
-              <a:t>6/13/2018</a:t>
+              <a:t>6/14/2018</a:t>
             </a:fld>
             <a:endParaRPr lang="en-US" dirty="0"/>
           </a:p>
@@ -3008,7 +3034,7 @@
             <a:fld id="{5586B75A-687E-405C-8A0B-8D00578BA2C3}" type="datetimeFigureOut">
               <a:rPr lang="en-US" dirty="0"/>
               <a:pPr/>
-              <a:t>6/13/2018</a:t>
+              <a:t>6/14/2018</a:t>
             </a:fld>
             <a:endParaRPr lang="en-US" dirty="0"/>
           </a:p>
@@ -3309,7 +3335,7 @@
             <a:fld id="{5586B75A-687E-405C-8A0B-8D00578BA2C3}" type="datetimeFigureOut">
               <a:rPr lang="en-US" dirty="0"/>
               <a:pPr/>
-              <a:t>6/13/2018</a:t>
+              <a:t>6/14/2018</a:t>
             </a:fld>
             <a:endParaRPr lang="en-US" dirty="0"/>
           </a:p>
@@ -3867,6 +3893,1137 @@
 </p:sld>
 </file>
 
+<file path=ppt/slides/slide10.xml><?xml version="1.0" encoding="utf-8"?>
+<p:sld xmlns:a="http://schemas.openxmlformats.org/drawingml/2006/main" xmlns:r="http://schemas.openxmlformats.org/officeDocument/2006/relationships" xmlns:p="http://schemas.openxmlformats.org/presentationml/2006/main">
+  <p:cSld>
+    <p:spTree>
+      <p:nvGrpSpPr>
+        <p:cNvPr id="1" name=""/>
+        <p:cNvGrpSpPr/>
+        <p:nvPr/>
+      </p:nvGrpSpPr>
+      <p:grpSpPr>
+        <a:xfrm>
+          <a:off x="0" y="0"/>
+          <a:ext cx="0" cy="0"/>
+          <a:chOff x="0" y="0"/>
+          <a:chExt cx="0" cy="0"/>
+        </a:xfrm>
+      </p:grpSpPr>
+      <p:sp>
+        <p:nvSpPr>
+          <p:cNvPr id="2" name="제목 1"/>
+          <p:cNvSpPr>
+            <a:spLocks noGrp="1"/>
+          </p:cNvSpPr>
+          <p:nvPr>
+            <p:ph type="title"/>
+          </p:nvPr>
+        </p:nvSpPr>
+        <p:spPr/>
+        <p:txBody>
+          <a:bodyPr/>
+          <a:lstStyle/>
+          <a:p>
+            <a:r>
+              <a:rPr lang="en-US" altLang="ko-KR" dirty="0" smtClean="0"/>
+              <a:t>Closure</a:t>
+            </a:r>
+            <a:endParaRPr lang="ko-KR" altLang="en-US" dirty="0"/>
+          </a:p>
+        </p:txBody>
+      </p:sp>
+      <p:sp>
+        <p:nvSpPr>
+          <p:cNvPr id="3" name="내용 개체 틀 2"/>
+          <p:cNvSpPr>
+            <a:spLocks noGrp="1"/>
+          </p:cNvSpPr>
+          <p:nvPr>
+            <p:ph idx="1"/>
+          </p:nvPr>
+        </p:nvSpPr>
+        <p:spPr/>
+        <p:txBody>
+          <a:bodyPr/>
+          <a:lstStyle/>
+          <a:p>
+            <a:endParaRPr lang="en-US" altLang="ko-KR" dirty="0"/>
+          </a:p>
+          <a:p>
+            <a:endParaRPr lang="en-US" altLang="ko-KR" dirty="0" smtClean="0"/>
+          </a:p>
+          <a:p>
+            <a:endParaRPr lang="en-US" altLang="ko-KR" dirty="0"/>
+          </a:p>
+          <a:p>
+            <a:endParaRPr lang="en-US" altLang="ko-KR" dirty="0" smtClean="0"/>
+          </a:p>
+          <a:p>
+            <a:endParaRPr lang="en-US" altLang="ko-KR" dirty="0"/>
+          </a:p>
+          <a:p>
+            <a:endParaRPr lang="en-US" altLang="ko-KR" dirty="0" smtClean="0"/>
+          </a:p>
+          <a:p>
+            <a:endParaRPr lang="en-US" altLang="ko-KR" dirty="0" smtClean="0"/>
+          </a:p>
+          <a:p>
+            <a:pPr lvl="1"/>
+            <a:r>
+              <a:rPr lang="ko-KR" altLang="en-US" dirty="0" smtClean="0"/>
+              <a:t>정리 </a:t>
+            </a:r>
+            <a:r>
+              <a:rPr lang="en-US" altLang="ko-KR" dirty="0" smtClean="0"/>
+              <a:t>: </a:t>
+            </a:r>
+            <a:r>
+              <a:rPr lang="ko-KR" altLang="en-US" dirty="0" smtClean="0"/>
+              <a:t>특정 </a:t>
+            </a:r>
+            <a:r>
+              <a:rPr lang="ko-KR" altLang="en-US" dirty="0"/>
+              <a:t>함수가 참조하는 변수들이 선언된 </a:t>
+            </a:r>
+            <a:r>
+              <a:rPr lang="ko-KR" altLang="en-US" dirty="0" err="1"/>
+              <a:t>렉시컬</a:t>
+            </a:r>
+            <a:r>
+              <a:rPr lang="ko-KR" altLang="en-US" dirty="0"/>
+              <a:t> </a:t>
+            </a:r>
+            <a:r>
+              <a:rPr lang="ko-KR" altLang="en-US" dirty="0" err="1"/>
+              <a:t>스코프는</a:t>
+            </a:r>
+            <a:r>
+              <a:rPr lang="ko-KR" altLang="en-US" dirty="0"/>
+              <a:t> 계속 유지되는데 그 함수와 </a:t>
+            </a:r>
+            <a:r>
+              <a:rPr lang="ko-KR" altLang="en-US" dirty="0" err="1"/>
+              <a:t>스코프를</a:t>
+            </a:r>
+            <a:r>
+              <a:rPr lang="ko-KR" altLang="en-US" dirty="0"/>
+              <a:t> 묶어서 </a:t>
+            </a:r>
+            <a:r>
+              <a:rPr lang="ko-KR" altLang="en-US" dirty="0" err="1" smtClean="0"/>
+              <a:t>클로저라고</a:t>
+            </a:r>
+            <a:r>
+              <a:rPr lang="ko-KR" altLang="en-US" dirty="0" smtClean="0"/>
+              <a:t> 부른다</a:t>
+            </a:r>
+            <a:r>
+              <a:rPr lang="en-US" altLang="ko-KR" dirty="0" smtClean="0"/>
+              <a:t>.</a:t>
+            </a:r>
+            <a:endParaRPr lang="en-US" altLang="ko-KR" dirty="0"/>
+          </a:p>
+          <a:p>
+            <a:pPr lvl="1"/>
+            <a:endParaRPr lang="en-US" altLang="ko-KR" dirty="0" smtClean="0"/>
+          </a:p>
+        </p:txBody>
+      </p:sp>
+      <p:pic>
+        <p:nvPicPr>
+          <p:cNvPr id="3074" name="Picture 2" descr="E:\development\자바스크립트 스터디\1차\이미지파일\클로저예제.PNG"/>
+          <p:cNvPicPr>
+            <a:picLocks noChangeAspect="1" noChangeArrowheads="1"/>
+          </p:cNvPicPr>
+          <p:nvPr/>
+        </p:nvPicPr>
+        <p:blipFill>
+          <a:blip r:embed="rId2">
+            <a:extLst>
+              <a:ext uri="{28A0092B-C50C-407E-A947-70E740481C1C}">
+                <a14:useLocalDpi xmlns:a14="http://schemas.microsoft.com/office/drawing/2010/main" val="0"/>
+              </a:ext>
+            </a:extLst>
+          </a:blip>
+          <a:srcRect/>
+          <a:stretch>
+            <a:fillRect/>
+          </a:stretch>
+        </p:blipFill>
+        <p:spPr bwMode="auto">
+          <a:xfrm>
+            <a:off x="3333189" y="1184797"/>
+            <a:ext cx="2310121" cy="2526176"/>
+          </a:xfrm>
+          <a:prstGeom prst="rect">
+            <a:avLst/>
+          </a:prstGeom>
+          <a:noFill/>
+          <a:extLst>
+            <a:ext uri="{909E8E84-426E-40DD-AFC4-6F175D3DCCD1}">
+              <a14:hiddenFill xmlns:a14="http://schemas.microsoft.com/office/drawing/2010/main">
+                <a:solidFill>
+                  <a:srgbClr val="FFFFFF"/>
+                </a:solidFill>
+              </a14:hiddenFill>
+            </a:ext>
+          </a:extLst>
+        </p:spPr>
+      </p:pic>
+    </p:spTree>
+    <p:extLst>
+      <p:ext uri="{BB962C8B-B14F-4D97-AF65-F5344CB8AC3E}">
+        <p14:creationId xmlns:p14="http://schemas.microsoft.com/office/powerpoint/2010/main" val="2833649789"/>
+      </p:ext>
+    </p:extLst>
+  </p:cSld>
+  <p:clrMapOvr>
+    <a:masterClrMapping/>
+  </p:clrMapOvr>
+</p:sld>
+</file>
+
+<file path=ppt/slides/slide11.xml><?xml version="1.0" encoding="utf-8"?>
+<p:sld xmlns:a="http://schemas.openxmlformats.org/drawingml/2006/main" xmlns:r="http://schemas.openxmlformats.org/officeDocument/2006/relationships" xmlns:p="http://schemas.openxmlformats.org/presentationml/2006/main">
+  <p:cSld>
+    <p:spTree>
+      <p:nvGrpSpPr>
+        <p:cNvPr id="1" name=""/>
+        <p:cNvGrpSpPr/>
+        <p:nvPr/>
+      </p:nvGrpSpPr>
+      <p:grpSpPr>
+        <a:xfrm>
+          <a:off x="0" y="0"/>
+          <a:ext cx="0" cy="0"/>
+          <a:chOff x="0" y="0"/>
+          <a:chExt cx="0" cy="0"/>
+        </a:xfrm>
+      </p:grpSpPr>
+      <p:sp>
+        <p:nvSpPr>
+          <p:cNvPr id="2" name="제목 1"/>
+          <p:cNvSpPr>
+            <a:spLocks noGrp="1"/>
+          </p:cNvSpPr>
+          <p:nvPr>
+            <p:ph type="title"/>
+          </p:nvPr>
+        </p:nvSpPr>
+        <p:spPr/>
+        <p:txBody>
+          <a:bodyPr/>
+          <a:lstStyle/>
+          <a:p>
+            <a:r>
+              <a:rPr lang="en-US" altLang="ko-KR" dirty="0"/>
+              <a:t>Closure?</a:t>
+            </a:r>
+            <a:endParaRPr lang="ko-KR" altLang="en-US" dirty="0"/>
+          </a:p>
+        </p:txBody>
+      </p:sp>
+      <p:sp>
+        <p:nvSpPr>
+          <p:cNvPr id="3" name="내용 개체 틀 2"/>
+          <p:cNvSpPr>
+            <a:spLocks noGrp="1"/>
+          </p:cNvSpPr>
+          <p:nvPr>
+            <p:ph idx="1"/>
+          </p:nvPr>
+        </p:nvSpPr>
+        <p:spPr>
+          <a:xfrm>
+            <a:off x="2624168" y="864108"/>
+            <a:ext cx="8583160" cy="5120640"/>
+          </a:xfrm>
+        </p:spPr>
+        <p:txBody>
+          <a:bodyPr/>
+          <a:lstStyle/>
+          <a:p>
+            <a:r>
+              <a:rPr lang="ko-KR" altLang="en-US" dirty="0" smtClean="0"/>
+              <a:t>둘 다 </a:t>
+            </a:r>
+            <a:r>
+              <a:rPr lang="ko-KR" altLang="en-US" dirty="0" err="1" smtClean="0"/>
+              <a:t>클로저</a:t>
+            </a:r>
+            <a:r>
+              <a:rPr lang="en-US" altLang="ko-KR" dirty="0" smtClean="0"/>
+              <a:t>?</a:t>
+            </a:r>
+          </a:p>
+          <a:p>
+            <a:r>
+              <a:rPr lang="en-US" altLang="ko-KR" dirty="0" smtClean="0"/>
+              <a:t>1</a:t>
+            </a:r>
+            <a:r>
+              <a:rPr lang="ko-KR" altLang="en-US" dirty="0" smtClean="0"/>
+              <a:t>번</a:t>
+            </a:r>
+            <a:r>
+              <a:rPr lang="en-US" altLang="ko-KR" dirty="0" smtClean="0"/>
+              <a:t>				              2</a:t>
+            </a:r>
+            <a:r>
+              <a:rPr lang="ko-KR" altLang="en-US" dirty="0" smtClean="0"/>
+              <a:t>번</a:t>
+            </a:r>
+            <a:endParaRPr lang="en-US" altLang="ko-KR" dirty="0"/>
+          </a:p>
+          <a:p>
+            <a:endParaRPr lang="en-US" altLang="ko-KR" dirty="0" smtClean="0"/>
+          </a:p>
+          <a:p>
+            <a:endParaRPr lang="en-US" altLang="ko-KR" dirty="0" smtClean="0"/>
+          </a:p>
+          <a:p>
+            <a:endParaRPr lang="en-US" altLang="ko-KR" dirty="0"/>
+          </a:p>
+          <a:p>
+            <a:endParaRPr lang="en-US" altLang="ko-KR" dirty="0" smtClean="0"/>
+          </a:p>
+          <a:p>
+            <a:pPr marL="0" indent="0">
+              <a:buNone/>
+            </a:pPr>
+            <a:endParaRPr lang="en-US" altLang="ko-KR" dirty="0" smtClean="0"/>
+          </a:p>
+          <a:p>
+            <a:r>
+              <a:rPr lang="en-US" altLang="ko-KR" dirty="0" smtClean="0"/>
+              <a:t>1</a:t>
+            </a:r>
+            <a:r>
+              <a:rPr lang="ko-KR" altLang="en-US" dirty="0" smtClean="0"/>
+              <a:t>번 </a:t>
+            </a:r>
+            <a:r>
+              <a:rPr lang="en-US" altLang="ko-KR" dirty="0" smtClean="0"/>
+              <a:t>: bar</a:t>
+            </a:r>
+            <a:r>
+              <a:rPr lang="ko-KR" altLang="en-US" dirty="0" smtClean="0"/>
+              <a:t>가 </a:t>
+            </a:r>
+            <a:r>
+              <a:rPr lang="en-US" altLang="ko-KR" dirty="0" smtClean="0"/>
+              <a:t>foo</a:t>
+            </a:r>
+            <a:r>
+              <a:rPr lang="ko-KR" altLang="en-US" dirty="0" smtClean="0"/>
+              <a:t>안에서 정의</a:t>
+            </a:r>
+            <a:r>
+              <a:rPr lang="en-US" altLang="ko-KR" dirty="0" smtClean="0"/>
+              <a:t>, </a:t>
+            </a:r>
+            <a:r>
+              <a:rPr lang="ko-KR" altLang="en-US" dirty="0" smtClean="0"/>
+              <a:t>호출되어서 </a:t>
+            </a:r>
+            <a:r>
+              <a:rPr lang="ko-KR" altLang="en-US" dirty="0" err="1" smtClean="0"/>
+              <a:t>클로저</a:t>
+            </a:r>
+            <a:r>
+              <a:rPr lang="ko-KR" altLang="en-US" dirty="0" smtClean="0"/>
+              <a:t> </a:t>
+            </a:r>
+            <a:r>
+              <a:rPr lang="en-US" altLang="ko-KR" dirty="0" smtClean="0"/>
+              <a:t>X.</a:t>
+            </a:r>
+          </a:p>
+          <a:p>
+            <a:r>
+              <a:rPr lang="en-US" altLang="ko-KR" dirty="0" smtClean="0"/>
+              <a:t>2.</a:t>
+            </a:r>
+            <a:r>
+              <a:rPr lang="ko-KR" altLang="en-US" dirty="0" smtClean="0"/>
+              <a:t>번 </a:t>
+            </a:r>
+            <a:r>
+              <a:rPr lang="en-US" altLang="ko-KR" dirty="0" smtClean="0"/>
+              <a:t>: </a:t>
+            </a:r>
+            <a:r>
+              <a:rPr lang="ko-KR" altLang="en-US" dirty="0" smtClean="0"/>
+              <a:t>자신의 </a:t>
+            </a:r>
+            <a:r>
+              <a:rPr lang="ko-KR" altLang="en-US" dirty="0" err="1" smtClean="0"/>
+              <a:t>렉시컬</a:t>
+            </a:r>
+            <a:r>
+              <a:rPr lang="ko-KR" altLang="en-US" dirty="0" smtClean="0"/>
+              <a:t> </a:t>
+            </a:r>
+            <a:r>
+              <a:rPr lang="ko-KR" altLang="en-US" dirty="0" err="1" smtClean="0"/>
+              <a:t>스코프에서</a:t>
+            </a:r>
+            <a:r>
+              <a:rPr lang="ko-KR" altLang="en-US" dirty="0" smtClean="0"/>
+              <a:t> 벗어나 </a:t>
+            </a:r>
+            <a:r>
+              <a:rPr lang="en-US" altLang="ko-KR" dirty="0" smtClean="0"/>
+              <a:t>global</a:t>
+            </a:r>
+            <a:r>
+              <a:rPr lang="ko-KR" altLang="en-US" dirty="0" smtClean="0"/>
+              <a:t>에서 호출되고 </a:t>
+            </a:r>
+            <a:r>
+              <a:rPr lang="en-US" altLang="ko-KR" dirty="0" smtClean="0"/>
+              <a:t>foo</a:t>
+            </a:r>
+            <a:r>
+              <a:rPr lang="ko-KR" altLang="en-US" dirty="0" smtClean="0"/>
+              <a:t>에서 </a:t>
+            </a:r>
+            <a:r>
+              <a:rPr lang="ko-KR" altLang="en-US" dirty="0" err="1" smtClean="0"/>
+              <a:t>스코프가</a:t>
+            </a:r>
+            <a:r>
+              <a:rPr lang="ko-KR" altLang="en-US" dirty="0" smtClean="0"/>
+              <a:t> </a:t>
+            </a:r>
+            <a:r>
+              <a:rPr lang="ko-KR" altLang="en-US" dirty="0" err="1" smtClean="0"/>
+              <a:t>탐색되었으므로</a:t>
+            </a:r>
+            <a:r>
+              <a:rPr lang="ko-KR" altLang="en-US" dirty="0" smtClean="0"/>
+              <a:t> </a:t>
+            </a:r>
+            <a:r>
+              <a:rPr lang="ko-KR" altLang="en-US" dirty="0" err="1" smtClean="0"/>
+              <a:t>클로저</a:t>
+            </a:r>
+            <a:r>
+              <a:rPr lang="ko-KR" altLang="en-US" dirty="0" smtClean="0"/>
+              <a:t> </a:t>
+            </a:r>
+            <a:r>
+              <a:rPr lang="en-US" altLang="ko-KR" dirty="0" smtClean="0"/>
+              <a:t>O.</a:t>
+            </a:r>
+          </a:p>
+          <a:p>
+            <a:endParaRPr lang="en-US" altLang="ko-KR" dirty="0" smtClean="0"/>
+          </a:p>
+        </p:txBody>
+      </p:sp>
+      <p:pic>
+        <p:nvPicPr>
+          <p:cNvPr id="4" name="그림 3"/>
+          <p:cNvPicPr>
+            <a:picLocks noChangeAspect="1"/>
+          </p:cNvPicPr>
+          <p:nvPr/>
+        </p:nvPicPr>
+        <p:blipFill>
+          <a:blip r:embed="rId2">
+            <a:extLst>
+              <a:ext uri="{28A0092B-C50C-407E-A947-70E740481C1C}">
+                <a14:useLocalDpi xmlns:a14="http://schemas.microsoft.com/office/drawing/2010/main" val="0"/>
+              </a:ext>
+            </a:extLst>
+          </a:blip>
+          <a:stretch>
+            <a:fillRect/>
+          </a:stretch>
+        </p:blipFill>
+        <p:spPr>
+          <a:xfrm>
+            <a:off x="3497976" y="1617534"/>
+            <a:ext cx="1963987" cy="1415226"/>
+          </a:xfrm>
+          <a:prstGeom prst="rect">
+            <a:avLst/>
+          </a:prstGeom>
+        </p:spPr>
+      </p:pic>
+      <p:pic>
+        <p:nvPicPr>
+          <p:cNvPr id="5" name="그림 4"/>
+          <p:cNvPicPr>
+            <a:picLocks noChangeAspect="1"/>
+          </p:cNvPicPr>
+          <p:nvPr/>
+        </p:nvPicPr>
+        <p:blipFill>
+          <a:blip r:embed="rId3">
+            <a:extLst>
+              <a:ext uri="{28A0092B-C50C-407E-A947-70E740481C1C}">
+                <a14:useLocalDpi xmlns:a14="http://schemas.microsoft.com/office/drawing/2010/main" val="0"/>
+              </a:ext>
+            </a:extLst>
+          </a:blip>
+          <a:stretch>
+            <a:fillRect/>
+          </a:stretch>
+        </p:blipFill>
+        <p:spPr>
+          <a:xfrm>
+            <a:off x="7612380" y="1617535"/>
+            <a:ext cx="2422739" cy="1803846"/>
+          </a:xfrm>
+          <a:prstGeom prst="rect">
+            <a:avLst/>
+          </a:prstGeom>
+        </p:spPr>
+      </p:pic>
+    </p:spTree>
+    <p:extLst>
+      <p:ext uri="{BB962C8B-B14F-4D97-AF65-F5344CB8AC3E}">
+        <p14:creationId xmlns:p14="http://schemas.microsoft.com/office/powerpoint/2010/main" val="4154328436"/>
+      </p:ext>
+    </p:extLst>
+  </p:cSld>
+  <p:clrMapOvr>
+    <a:masterClrMapping/>
+  </p:clrMapOvr>
+</p:sld>
+</file>
+
+<file path=ppt/slides/slide12.xml><?xml version="1.0" encoding="utf-8"?>
+<p:sld xmlns:a="http://schemas.openxmlformats.org/drawingml/2006/main" xmlns:r="http://schemas.openxmlformats.org/officeDocument/2006/relationships" xmlns:p="http://schemas.openxmlformats.org/presentationml/2006/main">
+  <p:cSld>
+    <p:spTree>
+      <p:nvGrpSpPr>
+        <p:cNvPr id="1" name=""/>
+        <p:cNvGrpSpPr/>
+        <p:nvPr/>
+      </p:nvGrpSpPr>
+      <p:grpSpPr>
+        <a:xfrm>
+          <a:off x="0" y="0"/>
+          <a:ext cx="0" cy="0"/>
+          <a:chOff x="0" y="0"/>
+          <a:chExt cx="0" cy="0"/>
+        </a:xfrm>
+      </p:grpSpPr>
+      <p:sp>
+        <p:nvSpPr>
+          <p:cNvPr id="2" name="제목 1"/>
+          <p:cNvSpPr>
+            <a:spLocks noGrp="1"/>
+          </p:cNvSpPr>
+          <p:nvPr>
+            <p:ph type="title"/>
+          </p:nvPr>
+        </p:nvSpPr>
+        <p:spPr/>
+        <p:txBody>
+          <a:bodyPr/>
+          <a:lstStyle/>
+          <a:p>
+            <a:r>
+              <a:rPr lang="en-US" altLang="ko-KR" dirty="0" smtClean="0"/>
+              <a:t>Closure?</a:t>
+            </a:r>
+            <a:endParaRPr lang="ko-KR" altLang="en-US" dirty="0"/>
+          </a:p>
+        </p:txBody>
+      </p:sp>
+      <p:sp>
+        <p:nvSpPr>
+          <p:cNvPr id="3" name="내용 개체 틀 2"/>
+          <p:cNvSpPr>
+            <a:spLocks noGrp="1"/>
+          </p:cNvSpPr>
+          <p:nvPr>
+            <p:ph idx="1"/>
+          </p:nvPr>
+        </p:nvSpPr>
+        <p:spPr/>
+        <p:txBody>
+          <a:bodyPr/>
+          <a:lstStyle/>
+          <a:p>
+            <a:r>
+              <a:rPr lang="ko-KR" altLang="en-US" dirty="0" err="1" smtClean="0"/>
+              <a:t>반복문</a:t>
+            </a:r>
+            <a:r>
+              <a:rPr lang="ko-KR" altLang="en-US" dirty="0" smtClean="0"/>
+              <a:t> </a:t>
+            </a:r>
+            <a:r>
+              <a:rPr lang="ko-KR" altLang="en-US" dirty="0" err="1" smtClean="0"/>
+              <a:t>클로저</a:t>
+            </a:r>
+            <a:endParaRPr lang="en-US" altLang="ko-KR" dirty="0" smtClean="0"/>
+          </a:p>
+          <a:p>
+            <a:endParaRPr lang="en-US" altLang="ko-KR" dirty="0" smtClean="0"/>
+          </a:p>
+          <a:p>
+            <a:endParaRPr lang="en-US" altLang="ko-KR" dirty="0" smtClean="0"/>
+          </a:p>
+          <a:p>
+            <a:endParaRPr lang="en-US" altLang="ko-KR" dirty="0"/>
+          </a:p>
+          <a:p>
+            <a:endParaRPr lang="en-US" altLang="ko-KR" dirty="0" smtClean="0"/>
+          </a:p>
+          <a:p>
+            <a:pPr marL="3657600" lvl="8" indent="0">
+              <a:buNone/>
+            </a:pPr>
+            <a:r>
+              <a:rPr lang="en-US" altLang="ko-KR" sz="2000" dirty="0" smtClean="0"/>
+              <a:t>=&gt;</a:t>
+            </a:r>
+          </a:p>
+          <a:p>
+            <a:endParaRPr lang="en-US" altLang="ko-KR" dirty="0" smtClean="0"/>
+          </a:p>
+          <a:p>
+            <a:endParaRPr lang="en-US" altLang="ko-KR" dirty="0"/>
+          </a:p>
+          <a:p>
+            <a:endParaRPr lang="en-US" altLang="ko-KR" dirty="0" smtClean="0"/>
+          </a:p>
+          <a:p>
+            <a:endParaRPr lang="en-US" altLang="ko-KR" dirty="0"/>
+          </a:p>
+          <a:p>
+            <a:endParaRPr lang="ko-KR" altLang="en-US" dirty="0"/>
+          </a:p>
+        </p:txBody>
+      </p:sp>
+      <p:pic>
+        <p:nvPicPr>
+          <p:cNvPr id="4" name="그림 3"/>
+          <p:cNvPicPr>
+            <a:picLocks noChangeAspect="1"/>
+          </p:cNvPicPr>
+          <p:nvPr/>
+        </p:nvPicPr>
+        <p:blipFill>
+          <a:blip r:embed="rId2">
+            <a:extLst>
+              <a:ext uri="{28A0092B-C50C-407E-A947-70E740481C1C}">
+                <a14:useLocalDpi xmlns:a14="http://schemas.microsoft.com/office/drawing/2010/main" val="0"/>
+              </a:ext>
+            </a:extLst>
+          </a:blip>
+          <a:stretch>
+            <a:fillRect/>
+          </a:stretch>
+        </p:blipFill>
+        <p:spPr>
+          <a:xfrm>
+            <a:off x="2968943" y="2630043"/>
+            <a:ext cx="2765904" cy="1588770"/>
+          </a:xfrm>
+          <a:prstGeom prst="rect">
+            <a:avLst/>
+          </a:prstGeom>
+        </p:spPr>
+      </p:pic>
+      <p:pic>
+        <p:nvPicPr>
+          <p:cNvPr id="6" name="그림 5"/>
+          <p:cNvPicPr>
+            <a:picLocks noChangeAspect="1"/>
+          </p:cNvPicPr>
+          <p:nvPr/>
+        </p:nvPicPr>
+        <p:blipFill>
+          <a:blip r:embed="rId3">
+            <a:extLst>
+              <a:ext uri="{28A0092B-C50C-407E-A947-70E740481C1C}">
+                <a14:useLocalDpi xmlns:a14="http://schemas.microsoft.com/office/drawing/2010/main" val="0"/>
+              </a:ext>
+            </a:extLst>
+          </a:blip>
+          <a:stretch>
+            <a:fillRect/>
+          </a:stretch>
+        </p:blipFill>
+        <p:spPr>
+          <a:xfrm>
+            <a:off x="7668578" y="1497330"/>
+            <a:ext cx="3248012" cy="2091690"/>
+          </a:xfrm>
+          <a:prstGeom prst="rect">
+            <a:avLst/>
+          </a:prstGeom>
+        </p:spPr>
+      </p:pic>
+      <p:pic>
+        <p:nvPicPr>
+          <p:cNvPr id="7" name="그림 6"/>
+          <p:cNvPicPr>
+            <a:picLocks noChangeAspect="1"/>
+          </p:cNvPicPr>
+          <p:nvPr/>
+        </p:nvPicPr>
+        <p:blipFill>
+          <a:blip r:embed="rId4">
+            <a:extLst>
+              <a:ext uri="{28A0092B-C50C-407E-A947-70E740481C1C}">
+                <a14:useLocalDpi xmlns:a14="http://schemas.microsoft.com/office/drawing/2010/main" val="0"/>
+              </a:ext>
+            </a:extLst>
+          </a:blip>
+          <a:stretch>
+            <a:fillRect/>
+          </a:stretch>
+        </p:blipFill>
+        <p:spPr>
+          <a:xfrm>
+            <a:off x="7668578" y="3887670"/>
+            <a:ext cx="2754550" cy="1649784"/>
+          </a:xfrm>
+          <a:prstGeom prst="rect">
+            <a:avLst/>
+          </a:prstGeom>
+        </p:spPr>
+      </p:pic>
+    </p:spTree>
+    <p:extLst>
+      <p:ext uri="{BB962C8B-B14F-4D97-AF65-F5344CB8AC3E}">
+        <p14:creationId xmlns:p14="http://schemas.microsoft.com/office/powerpoint/2010/main" val="325570950"/>
+      </p:ext>
+    </p:extLst>
+  </p:cSld>
+  <p:clrMapOvr>
+    <a:masterClrMapping/>
+  </p:clrMapOvr>
+</p:sld>
+</file>
+
+<file path=ppt/slides/slide13.xml><?xml version="1.0" encoding="utf-8"?>
+<p:sld xmlns:a="http://schemas.openxmlformats.org/drawingml/2006/main" xmlns:r="http://schemas.openxmlformats.org/officeDocument/2006/relationships" xmlns:p="http://schemas.openxmlformats.org/presentationml/2006/main">
+  <p:cSld>
+    <p:spTree>
+      <p:nvGrpSpPr>
+        <p:cNvPr id="1" name=""/>
+        <p:cNvGrpSpPr/>
+        <p:nvPr/>
+      </p:nvGrpSpPr>
+      <p:grpSpPr>
+        <a:xfrm>
+          <a:off x="0" y="0"/>
+          <a:ext cx="0" cy="0"/>
+          <a:chOff x="0" y="0"/>
+          <a:chExt cx="0" cy="0"/>
+        </a:xfrm>
+      </p:grpSpPr>
+      <p:sp>
+        <p:nvSpPr>
+          <p:cNvPr id="2" name="제목 1"/>
+          <p:cNvSpPr>
+            <a:spLocks noGrp="1"/>
+          </p:cNvSpPr>
+          <p:nvPr>
+            <p:ph type="title"/>
+          </p:nvPr>
+        </p:nvSpPr>
+        <p:spPr/>
+        <p:txBody>
+          <a:bodyPr/>
+          <a:lstStyle/>
+          <a:p>
+            <a:r>
+              <a:rPr lang="en-US" altLang="ko-KR" dirty="0" smtClean="0"/>
+              <a:t>Closure </a:t>
+            </a:r>
+            <a:r>
+              <a:rPr lang="ko-KR" altLang="en-US" dirty="0" smtClean="0"/>
+              <a:t>활용</a:t>
+            </a:r>
+            <a:endParaRPr lang="ko-KR" altLang="en-US" dirty="0"/>
+          </a:p>
+        </p:txBody>
+      </p:sp>
+      <p:sp>
+        <p:nvSpPr>
+          <p:cNvPr id="3" name="내용 개체 틀 2"/>
+          <p:cNvSpPr>
+            <a:spLocks noGrp="1"/>
+          </p:cNvSpPr>
+          <p:nvPr>
+            <p:ph idx="1"/>
+          </p:nvPr>
+        </p:nvSpPr>
+        <p:spPr/>
+        <p:txBody>
+          <a:bodyPr/>
+          <a:lstStyle/>
+          <a:p>
+            <a:endParaRPr lang="en-US" altLang="ko-KR" dirty="0" smtClean="0"/>
+          </a:p>
+          <a:p>
+            <a:r>
+              <a:rPr lang="en-US" altLang="ko-KR" dirty="0" smtClean="0"/>
+              <a:t>Private </a:t>
+            </a:r>
+            <a:r>
+              <a:rPr lang="ko-KR" altLang="en-US" dirty="0" smtClean="0"/>
+              <a:t>으로 사용하기</a:t>
+            </a:r>
+            <a:endParaRPr lang="en-US" altLang="ko-KR" dirty="0" smtClean="0"/>
+          </a:p>
+          <a:p>
+            <a:pPr lvl="1"/>
+            <a:r>
+              <a:rPr lang="en-US" altLang="ko-KR" dirty="0" smtClean="0"/>
+              <a:t>JS</a:t>
+            </a:r>
+            <a:r>
+              <a:rPr lang="ko-KR" altLang="en-US" dirty="0" smtClean="0"/>
+              <a:t>는 </a:t>
+            </a:r>
+            <a:r>
+              <a:rPr lang="en-US" altLang="ko-KR" dirty="0" smtClean="0"/>
+              <a:t>private </a:t>
+            </a:r>
+            <a:r>
+              <a:rPr lang="ko-KR" altLang="en-US" dirty="0" smtClean="0"/>
+              <a:t>정의가 없지만 </a:t>
+            </a:r>
+            <a:r>
+              <a:rPr lang="ko-KR" altLang="en-US" dirty="0" err="1" smtClean="0"/>
+              <a:t>클로저를</a:t>
+            </a:r>
+            <a:r>
+              <a:rPr lang="ko-KR" altLang="en-US" dirty="0" smtClean="0"/>
+              <a:t> 활용하여 </a:t>
+            </a:r>
+            <a:r>
+              <a:rPr lang="en-US" altLang="ko-KR" dirty="0" smtClean="0"/>
+              <a:t>Private </a:t>
+            </a:r>
+            <a:r>
+              <a:rPr lang="ko-KR" altLang="en-US" dirty="0" smtClean="0"/>
+              <a:t>처럼 구성하여 사용가능</a:t>
+            </a:r>
+            <a:endParaRPr lang="en-US" altLang="ko-KR" dirty="0"/>
+          </a:p>
+          <a:p>
+            <a:pPr marL="0" indent="0">
+              <a:buNone/>
+            </a:pPr>
+            <a:endParaRPr lang="en-US" altLang="ko-KR" dirty="0" smtClean="0"/>
+          </a:p>
+          <a:p>
+            <a:endParaRPr lang="en-US" altLang="ko-KR" dirty="0"/>
+          </a:p>
+          <a:p>
+            <a:endParaRPr lang="en-US" altLang="ko-KR" dirty="0" smtClean="0"/>
+          </a:p>
+          <a:p>
+            <a:endParaRPr lang="en-US" altLang="ko-KR" dirty="0" smtClean="0"/>
+          </a:p>
+          <a:p>
+            <a:endParaRPr lang="en-US" altLang="ko-KR" dirty="0" smtClean="0"/>
+          </a:p>
+          <a:p>
+            <a:endParaRPr lang="en-US" altLang="ko-KR" dirty="0"/>
+          </a:p>
+          <a:p>
+            <a:endParaRPr lang="en-US" altLang="ko-KR" dirty="0" smtClean="0"/>
+          </a:p>
+          <a:p>
+            <a:endParaRPr lang="en-US" altLang="ko-KR" dirty="0"/>
+          </a:p>
+          <a:p>
+            <a:endParaRPr lang="en-US" altLang="ko-KR" dirty="0" smtClean="0"/>
+          </a:p>
+          <a:p>
+            <a:endParaRPr lang="en-US" altLang="ko-KR" dirty="0"/>
+          </a:p>
+          <a:p>
+            <a:endParaRPr lang="en-US" altLang="ko-KR" dirty="0"/>
+          </a:p>
+        </p:txBody>
+      </p:sp>
+      <p:pic>
+        <p:nvPicPr>
+          <p:cNvPr id="4" name="그림 3"/>
+          <p:cNvPicPr>
+            <a:picLocks noChangeAspect="1"/>
+          </p:cNvPicPr>
+          <p:nvPr/>
+        </p:nvPicPr>
+        <p:blipFill>
+          <a:blip r:embed="rId2">
+            <a:extLst>
+              <a:ext uri="{28A0092B-C50C-407E-A947-70E740481C1C}">
+                <a14:useLocalDpi xmlns:a14="http://schemas.microsoft.com/office/drawing/2010/main" val="0"/>
+              </a:ext>
+            </a:extLst>
+          </a:blip>
+          <a:stretch>
+            <a:fillRect/>
+          </a:stretch>
+        </p:blipFill>
+        <p:spPr>
+          <a:xfrm>
+            <a:off x="3361372" y="1736407"/>
+            <a:ext cx="3076575" cy="3552825"/>
+          </a:xfrm>
+          <a:prstGeom prst="rect">
+            <a:avLst/>
+          </a:prstGeom>
+        </p:spPr>
+      </p:pic>
+    </p:spTree>
+    <p:extLst>
+      <p:ext uri="{BB962C8B-B14F-4D97-AF65-F5344CB8AC3E}">
+        <p14:creationId xmlns:p14="http://schemas.microsoft.com/office/powerpoint/2010/main" val="2756545957"/>
+      </p:ext>
+    </p:extLst>
+  </p:cSld>
+  <p:clrMapOvr>
+    <a:masterClrMapping/>
+  </p:clrMapOvr>
+</p:sld>
+</file>
+
+<file path=ppt/slides/slide14.xml><?xml version="1.0" encoding="utf-8"?>
+<p:sld xmlns:a="http://schemas.openxmlformats.org/drawingml/2006/main" xmlns:r="http://schemas.openxmlformats.org/officeDocument/2006/relationships" xmlns:p="http://schemas.openxmlformats.org/presentationml/2006/main">
+  <p:cSld>
+    <p:spTree>
+      <p:nvGrpSpPr>
+        <p:cNvPr id="1" name=""/>
+        <p:cNvGrpSpPr/>
+        <p:nvPr/>
+      </p:nvGrpSpPr>
+      <p:grpSpPr>
+        <a:xfrm>
+          <a:off x="0" y="0"/>
+          <a:ext cx="0" cy="0"/>
+          <a:chOff x="0" y="0"/>
+          <a:chExt cx="0" cy="0"/>
+        </a:xfrm>
+      </p:grpSpPr>
+      <p:sp>
+        <p:nvSpPr>
+          <p:cNvPr id="2" name="제목 1"/>
+          <p:cNvSpPr>
+            <a:spLocks noGrp="1"/>
+          </p:cNvSpPr>
+          <p:nvPr>
+            <p:ph type="title"/>
+          </p:nvPr>
+        </p:nvSpPr>
+        <p:spPr/>
+        <p:txBody>
+          <a:bodyPr/>
+          <a:lstStyle/>
+          <a:p>
+            <a:r>
+              <a:rPr lang="en-US" altLang="ko-KR" dirty="0" smtClean="0"/>
+              <a:t>Closure</a:t>
+            </a:r>
+            <a:r>
+              <a:rPr lang="en-US" altLang="ko-KR" smtClean="0"/>
+              <a:t/>
+            </a:r>
+            <a:br>
+              <a:rPr lang="en-US" altLang="ko-KR" smtClean="0"/>
+            </a:br>
+            <a:r>
+              <a:rPr lang="ko-KR" altLang="en-US" smtClean="0"/>
+              <a:t>단점</a:t>
+            </a:r>
+            <a:endParaRPr lang="ko-KR" altLang="en-US" dirty="0"/>
+          </a:p>
+        </p:txBody>
+      </p:sp>
+      <p:sp>
+        <p:nvSpPr>
+          <p:cNvPr id="3" name="내용 개체 틀 2"/>
+          <p:cNvSpPr>
+            <a:spLocks noGrp="1"/>
+          </p:cNvSpPr>
+          <p:nvPr>
+            <p:ph idx="1"/>
+          </p:nvPr>
+        </p:nvSpPr>
+        <p:spPr/>
+        <p:txBody>
+          <a:bodyPr/>
+          <a:lstStyle/>
+          <a:p>
+            <a:r>
+              <a:rPr lang="ko-KR" altLang="en-US" dirty="0" smtClean="0"/>
+              <a:t>메모리의 소모</a:t>
+            </a:r>
+            <a:endParaRPr lang="en-US" altLang="ko-KR" dirty="0" smtClean="0"/>
+          </a:p>
+          <a:p>
+            <a:pPr lvl="1"/>
+            <a:r>
+              <a:rPr lang="ko-KR" altLang="en-US" dirty="0" err="1" smtClean="0"/>
+              <a:t>클로저로</a:t>
+            </a:r>
+            <a:r>
+              <a:rPr lang="ko-KR" altLang="en-US" dirty="0" smtClean="0"/>
+              <a:t> 인해 메모리 </a:t>
+            </a:r>
+            <a:r>
+              <a:rPr lang="ko-KR" altLang="en-US" dirty="0"/>
+              <a:t>누수가 발생하는 경우도 있음</a:t>
+            </a:r>
+            <a:r>
+              <a:rPr lang="en-US" altLang="ko-KR" dirty="0" smtClean="0"/>
+              <a:t>.</a:t>
+            </a:r>
+          </a:p>
+          <a:p>
+            <a:pPr lvl="1"/>
+            <a:r>
+              <a:rPr lang="en-US" altLang="ko-KR" dirty="0" smtClean="0"/>
+              <a:t>JS</a:t>
+            </a:r>
+            <a:r>
+              <a:rPr lang="ko-KR" altLang="en-US" dirty="0" smtClean="0"/>
+              <a:t>의 </a:t>
+            </a:r>
+            <a:r>
+              <a:rPr lang="en-US" altLang="ko-KR" dirty="0" smtClean="0"/>
+              <a:t>GC</a:t>
+            </a:r>
+            <a:r>
+              <a:rPr lang="ko-KR" altLang="en-US" dirty="0"/>
+              <a:t>는 </a:t>
+            </a:r>
+            <a:r>
+              <a:rPr lang="ko-KR" altLang="en-US" dirty="0" err="1"/>
+              <a:t>렉시컬</a:t>
+            </a:r>
+            <a:r>
+              <a:rPr lang="ko-KR" altLang="en-US" dirty="0"/>
+              <a:t> 환경을 계속 참고하고 있으면 메모리를 회수하지 </a:t>
+            </a:r>
+            <a:r>
+              <a:rPr lang="ko-KR" altLang="en-US" dirty="0" smtClean="0"/>
+              <a:t>않는다</a:t>
+            </a:r>
+            <a:r>
+              <a:rPr lang="en-US" altLang="ko-KR" dirty="0" smtClean="0"/>
+              <a:t>. =&gt; </a:t>
+            </a:r>
+            <a:r>
+              <a:rPr lang="ko-KR" altLang="en-US" dirty="0" smtClean="0"/>
+              <a:t>메모리에 유지될 때 까지 </a:t>
+            </a:r>
+            <a:r>
+              <a:rPr lang="ko-KR" altLang="en-US" dirty="0" err="1" smtClean="0"/>
+              <a:t>클로저는</a:t>
+            </a:r>
+            <a:r>
+              <a:rPr lang="ko-KR" altLang="en-US" dirty="0" smtClean="0"/>
+              <a:t> 계속 살아있다</a:t>
+            </a:r>
+            <a:r>
+              <a:rPr lang="en-US" altLang="ko-KR" dirty="0" smtClean="0"/>
+              <a:t>.</a:t>
+            </a:r>
+            <a:endParaRPr lang="en-US" altLang="ko-KR" dirty="0"/>
+          </a:p>
+          <a:p>
+            <a:pPr lvl="1"/>
+            <a:r>
+              <a:rPr lang="ko-KR" altLang="en-US" dirty="0" smtClean="0"/>
+              <a:t>그런데 루프를 돌면서 계속 </a:t>
+            </a:r>
+            <a:r>
+              <a:rPr lang="ko-KR" altLang="en-US" dirty="0" err="1" smtClean="0"/>
+              <a:t>클로저를</a:t>
+            </a:r>
+            <a:r>
+              <a:rPr lang="ko-KR" altLang="en-US" dirty="0" smtClean="0"/>
+              <a:t> 생성한다면</a:t>
+            </a:r>
+            <a:r>
+              <a:rPr lang="en-US" altLang="ko-KR" dirty="0" smtClean="0"/>
+              <a:t>?</a:t>
+            </a:r>
+          </a:p>
+          <a:p>
+            <a:pPr lvl="1"/>
+            <a:endParaRPr lang="en-US" altLang="ko-KR" dirty="0" smtClean="0"/>
+          </a:p>
+          <a:p>
+            <a:r>
+              <a:rPr lang="ko-KR" altLang="en-US" dirty="0" err="1" smtClean="0"/>
+              <a:t>스코프</a:t>
+            </a:r>
+            <a:r>
+              <a:rPr lang="ko-KR" altLang="en-US" dirty="0" smtClean="0"/>
+              <a:t> 생성 과 상위 변수 찾는 데 리소스 낭비</a:t>
+            </a:r>
+            <a:r>
+              <a:rPr lang="en-US" altLang="ko-KR" dirty="0" smtClean="0"/>
+              <a:t>.</a:t>
+            </a:r>
+          </a:p>
+          <a:p>
+            <a:pPr lvl="1"/>
+            <a:r>
+              <a:rPr lang="en-US" altLang="ko-KR" dirty="0" smtClean="0"/>
+              <a:t>with</a:t>
+            </a:r>
+            <a:r>
+              <a:rPr lang="ko-KR" altLang="en-US" dirty="0" smtClean="0"/>
+              <a:t>문과 비슷한 문제</a:t>
+            </a:r>
+            <a:r>
+              <a:rPr lang="en-US" altLang="ko-KR" dirty="0" smtClean="0"/>
+              <a:t>.</a:t>
+            </a:r>
+          </a:p>
+          <a:p>
+            <a:pPr lvl="1"/>
+            <a:endParaRPr lang="en-US" altLang="ko-KR" dirty="0"/>
+          </a:p>
+          <a:p>
+            <a:r>
+              <a:rPr lang="ko-KR" altLang="en-US" dirty="0" smtClean="0"/>
+              <a:t>익숙하지 않으면 이해가 어려움</a:t>
+            </a:r>
+            <a:r>
+              <a:rPr lang="en-US" altLang="ko-KR" dirty="0" smtClean="0"/>
+              <a:t>.</a:t>
+            </a:r>
+            <a:endParaRPr lang="en-US" altLang="ko-KR" dirty="0"/>
+          </a:p>
+          <a:p>
+            <a:pPr lvl="1"/>
+            <a:endParaRPr lang="ko-KR" altLang="en-US" dirty="0"/>
+          </a:p>
+        </p:txBody>
+      </p:sp>
+    </p:spTree>
+    <p:extLst>
+      <p:ext uri="{BB962C8B-B14F-4D97-AF65-F5344CB8AC3E}">
+        <p14:creationId xmlns:p14="http://schemas.microsoft.com/office/powerpoint/2010/main" val="841477011"/>
+      </p:ext>
+    </p:extLst>
+  </p:cSld>
+  <p:clrMapOvr>
+    <a:masterClrMapping/>
+  </p:clrMapOvr>
+</p:sld>
+</file>
+
 <file path=ppt/slides/slide2.xml><?xml version="1.0" encoding="utf-8"?>
 <p:sld xmlns:a="http://schemas.openxmlformats.org/drawingml/2006/main" xmlns:r="http://schemas.openxmlformats.org/officeDocument/2006/relationships" xmlns:p="http://schemas.openxmlformats.org/presentationml/2006/main">
   <p:cSld>
@@ -3926,13 +5083,31 @@
               <a:rPr lang="en-US" altLang="ko-KR" dirty="0" smtClean="0">
                 <a:latin typeface="+mn-ea"/>
               </a:rPr>
-              <a:t> Scope  :  </a:t>
+              <a:t> Scope  : </a:t>
+            </a:r>
+            <a:r>
+              <a:rPr lang="ko-KR" altLang="en-US" dirty="0">
+                <a:latin typeface="+mn-ea"/>
+              </a:rPr>
+              <a:t>가능한 </a:t>
             </a:r>
             <a:r>
               <a:rPr lang="ko-KR" altLang="en-US" dirty="0" smtClean="0">
                 <a:latin typeface="+mn-ea"/>
               </a:rPr>
-              <a:t>현재 위치에서 접근이 가능한 변수들의 범위</a:t>
+              <a:t>코드들의 현재 </a:t>
+            </a:r>
+            <a:r>
+              <a:rPr lang="ko-KR" altLang="en-US" dirty="0" smtClean="0">
+                <a:latin typeface="+mn-ea"/>
+              </a:rPr>
+              <a:t>위치에서 접근이 </a:t>
+            </a:r>
+            <a:r>
+              <a:rPr lang="ko-KR" altLang="en-US" dirty="0" smtClean="0">
+                <a:latin typeface="+mn-ea"/>
+              </a:rPr>
+              <a:t>가능한 범위</a:t>
             </a:r>
             <a:endParaRPr lang="en-US" altLang="ko-KR" dirty="0" smtClean="0">
               <a:latin typeface="+mn-ea"/>
@@ -4005,7 +5180,7 @@
               <a:rPr lang="ko-KR" altLang="en-US" dirty="0" smtClean="0">
                 <a:latin typeface="+mn-ea"/>
               </a:rPr>
-              <a:t>을 생성한다고  </a:t>
+              <a:t>을 생성한다고 </a:t>
             </a:r>
             <a:r>
               <a:rPr lang="en-US" altLang="ko-KR" dirty="0" smtClean="0">
@@ -4017,7 +5192,13 @@
               <a:rPr lang="ko-KR" altLang="en-US" dirty="0" smtClean="0">
                 <a:latin typeface="+mn-ea"/>
               </a:rPr>
-              <a:t>가 생성되지 않음</a:t>
+              <a:t>가 생성되지 </a:t>
+            </a:r>
+            <a:r>
+              <a:rPr lang="ko-KR" altLang="en-US" dirty="0" smtClean="0">
+                <a:latin typeface="+mn-ea"/>
+              </a:rPr>
+              <a:t>않음</a:t>
             </a:r>
             <a:endParaRPr lang="en-US" altLang="ko-KR" dirty="0" smtClean="0">
               <a:latin typeface="+mn-ea"/>
@@ -4081,7 +5262,22 @@
             <a:pPr algn="ctr"/>
             <a:r>
               <a:rPr lang="en-US" altLang="ko-KR" dirty="0" smtClean="0"/>
-              <a:t>Scope Level</a:t>
+              <a:t>Scope </a:t>
+            </a:r>
+            <a:r>
+              <a:rPr lang="en-US" altLang="ko-KR" dirty="0" smtClean="0"/>
+              <a:t/>
+            </a:r>
+            <a:br>
+              <a:rPr lang="en-US" altLang="ko-KR" dirty="0" smtClean="0"/>
+            </a:br>
+            <a:r>
+              <a:rPr lang="ko-KR" altLang="en-US" dirty="0" smtClean="0"/>
+              <a:t>범위 </a:t>
+            </a:r>
+            <a:r>
+              <a:rPr lang="en-US" altLang="ko-KR" dirty="0" smtClean="0"/>
+              <a:t>1</a:t>
             </a:r>
             <a:endParaRPr lang="ko-KR" altLang="en-US" dirty="0"/>
           </a:p>
@@ -4099,14 +5295,31 @@
         </p:nvSpPr>
         <p:spPr/>
         <p:txBody>
-          <a:bodyPr/>
+          <a:bodyPr>
+            <a:normAutofit/>
+          </a:bodyPr>
           <a:lstStyle/>
           <a:p>
             <a:r>
+              <a:rPr lang="ko-KR" altLang="en-US" dirty="0" smtClean="0">
+                <a:latin typeface="+mn-ea"/>
+              </a:rPr>
+              <a:t>지역</a:t>
+            </a:r>
+            <a:r>
               <a:rPr lang="en-US" altLang="ko-KR" dirty="0" smtClean="0">
                 <a:latin typeface="+mn-ea"/>
               </a:rPr>
-              <a:t>- </a:t>
+              <a:t>Scope(Local-Scope)</a:t>
+            </a:r>
+          </a:p>
+          <a:p>
+            <a:pPr lvl="1"/>
+            <a:r>
+              <a:rPr lang="en-US" altLang="ko-KR" dirty="0" smtClean="0">
+                <a:latin typeface="+mn-ea"/>
+              </a:rPr>
+              <a:t>-</a:t>
             </a:r>
             <a:r>
               <a:rPr lang="ko-KR" altLang="ko-KR" dirty="0" smtClean="0">
@@ -4130,7 +5343,13 @@
               <a:rPr lang="en-US" altLang="ko-KR" dirty="0" smtClean="0">
                 <a:latin typeface="+mn-ea"/>
               </a:rPr>
-              <a:t> : </a:t>
+              <a:t>(function-Scope) </a:t>
+            </a:r>
+            <a:r>
+              <a:rPr lang="en-US" altLang="ko-KR" dirty="0" smtClean="0">
+                <a:latin typeface="+mn-ea"/>
+              </a:rPr>
+              <a:t>: </a:t>
             </a:r>
             <a:r>
               <a:rPr lang="ko-KR" altLang="en-US" dirty="0" smtClean="0">
@@ -4143,36 +5362,30 @@
             </a:endParaRPr>
           </a:p>
           <a:p>
-            <a:pPr lvl="1"/>
+            <a:pPr lvl="2"/>
             <a:r>
               <a:rPr lang="en-US" altLang="ko-KR" dirty="0" err="1" smtClean="0">
                 <a:latin typeface="+mn-ea"/>
               </a:rPr>
-              <a:t>var</a:t>
+              <a:t>Var</a:t>
             </a:r>
             <a:r>
               <a:rPr lang="en-US" altLang="ko-KR" dirty="0" smtClean="0">
                 <a:latin typeface="+mn-ea"/>
               </a:rPr>
-              <a:t> </a:t>
+              <a:t> : </a:t>
             </a:r>
             <a:r>
               <a:rPr lang="ko-KR" altLang="en-US" dirty="0" smtClean="0">
                 <a:latin typeface="+mn-ea"/>
               </a:rPr>
-              <a:t>로 선언된 변수</a:t>
-            </a:r>
-            <a:r>
-              <a:rPr lang="en-US" altLang="ko-KR" dirty="0" smtClean="0">
-                <a:latin typeface="+mn-ea"/>
-              </a:rPr>
-              <a:t>, </a:t>
+              <a:t>함수 선언식으로 만들어진 </a:t>
             </a:r>
             <a:r>
               <a:rPr lang="ko-KR" altLang="en-US" dirty="0" smtClean="0">
                 <a:latin typeface="+mn-ea"/>
               </a:rPr>
-              <a:t>함수 선언식으로 만들어진 함수</a:t>
+              <a:t>함수</a:t>
             </a:r>
             <a:endParaRPr lang="en-US" altLang="ko-KR" dirty="0" smtClean="0">
               <a:latin typeface="+mn-ea"/>
@@ -4185,16 +5398,16 @@
             </a:endParaRPr>
           </a:p>
           <a:p>
-            <a:pPr>
+            <a:pPr lvl="1">
               <a:lnSpc>
                 <a:spcPct val="100000"/>
               </a:lnSpc>
             </a:pPr>
             <a:r>
-              <a:rPr lang="en-US" altLang="ko-KR" dirty="0">
-                <a:latin typeface="+mn-ea"/>
-              </a:rPr>
-              <a:t>- </a:t>
+              <a:rPr lang="en-US" altLang="ko-KR" dirty="0" smtClean="0">
+                <a:latin typeface="+mn-ea"/>
+              </a:rPr>
+              <a:t>-</a:t>
             </a:r>
             <a:r>
               <a:rPr lang="ko-KR" altLang="ko-KR" dirty="0" smtClean="0">
@@ -4218,25 +5431,37 @@
               <a:rPr lang="en-US" altLang="ko-KR" dirty="0" smtClean="0">
                 <a:latin typeface="+mn-ea"/>
               </a:rPr>
-              <a:t> : </a:t>
+              <a:t>(block-Scope) </a:t>
+            </a:r>
+            <a:r>
+              <a:rPr lang="en-US" altLang="ko-KR" dirty="0" smtClean="0">
+                <a:latin typeface="+mn-ea"/>
+              </a:rPr>
+              <a:t>: </a:t>
             </a:r>
             <a:r>
               <a:rPr lang="ko-KR" altLang="en-US" dirty="0" smtClean="0">
                 <a:latin typeface="+mn-ea"/>
               </a:rPr>
-              <a:t>블록 </a:t>
+              <a:t>블록</a:t>
             </a:r>
             <a:r>
               <a:rPr lang="en-US" altLang="ko-KR" dirty="0" smtClean="0">
                 <a:latin typeface="+mn-ea"/>
               </a:rPr>
-              <a:t>‘{ }’ </a:t>
+              <a:t>{ } </a:t>
             </a:r>
             <a:r>
               <a:rPr lang="ko-KR" altLang="en-US" dirty="0" smtClean="0">
                 <a:latin typeface="+mn-ea"/>
               </a:rPr>
-              <a:t>에서 유효 </a:t>
+              <a:t>에서 </a:t>
+            </a:r>
+            <a:r>
+              <a:rPr lang="ko-KR" altLang="en-US" dirty="0" smtClean="0">
+                <a:latin typeface="+mn-ea"/>
+              </a:rPr>
+              <a:t>유효 </a:t>
             </a:r>
             <a:r>
               <a:rPr lang="en-US" altLang="ko-KR" dirty="0" smtClean="0">
@@ -4258,7 +5483,7 @@
             </a:r>
           </a:p>
           <a:p>
-            <a:pPr lvl="1"/>
+            <a:pPr lvl="2"/>
             <a:r>
               <a:rPr lang="en-US" altLang="ko-KR" dirty="0" smtClean="0">
                 <a:latin typeface="+mn-ea"/>
@@ -4330,171 +5555,264 @@
             </a:endParaRPr>
           </a:p>
           <a:p>
-            <a:pPr lvl="1"/>
+            <a:pPr lvl="2"/>
             <a:r>
               <a:rPr lang="ko-KR" altLang="en-US" dirty="0" smtClean="0">
                 <a:latin typeface="+mn-ea"/>
               </a:rPr>
-              <a:t>또한 변수의 재 선언 불가</a:t>
+              <a:t>두 방식 모두 변수의 재 선언이 불가능</a:t>
+            </a:r>
+            <a:r>
+              <a:rPr lang="en-US" altLang="ko-KR" dirty="0" smtClean="0">
+                <a:latin typeface="+mn-ea"/>
+              </a:rPr>
+              <a:t>.</a:t>
             </a:r>
             <a:endParaRPr lang="en-US" altLang="ko-KR" dirty="0" smtClean="0">
               <a:latin typeface="+mn-ea"/>
             </a:endParaRPr>
           </a:p>
           <a:p>
+            <a:pPr lvl="2"/>
+            <a:r>
+              <a:rPr lang="en-US" altLang="ko-KR" dirty="0" smtClean="0">
+                <a:latin typeface="+mn-ea"/>
+              </a:rPr>
+              <a:t>let</a:t>
+            </a:r>
+            <a:r>
+              <a:rPr lang="ko-KR" altLang="en-US" dirty="0" smtClean="0">
+                <a:latin typeface="+mn-ea"/>
+              </a:rPr>
+              <a:t>은 선언 후 나중에 값 </a:t>
+            </a:r>
+            <a:r>
+              <a:rPr lang="ko-KR" altLang="en-US" dirty="0" smtClean="0">
+                <a:latin typeface="+mn-ea"/>
+              </a:rPr>
+              <a:t>할당 </a:t>
+            </a:r>
+            <a:r>
+              <a:rPr lang="ko-KR" altLang="en-US" dirty="0" smtClean="0">
+                <a:latin typeface="+mn-ea"/>
+              </a:rPr>
+              <a:t>가능</a:t>
+            </a:r>
+            <a:r>
+              <a:rPr lang="en-US" altLang="ko-KR" dirty="0" smtClean="0">
+                <a:latin typeface="+mn-ea"/>
+              </a:rPr>
+              <a:t>, </a:t>
+            </a:r>
+            <a:r>
+              <a:rPr lang="en-US" altLang="ko-KR" dirty="0" err="1" smtClean="0">
+                <a:latin typeface="+mn-ea"/>
+              </a:rPr>
+              <a:t>const</a:t>
+            </a:r>
+            <a:r>
+              <a:rPr lang="ko-KR" altLang="en-US" dirty="0" smtClean="0">
+                <a:latin typeface="+mn-ea"/>
+              </a:rPr>
+              <a:t>는 선언과 동시에 할당 만 가능</a:t>
+            </a:r>
+            <a:r>
+              <a:rPr lang="en-US" altLang="ko-KR" dirty="0" smtClean="0">
+                <a:latin typeface="+mn-ea"/>
+              </a:rPr>
+              <a:t>.</a:t>
+            </a:r>
+          </a:p>
+          <a:p>
+            <a:r>
+              <a:rPr lang="ko-KR" altLang="en-US" dirty="0" smtClean="0">
+                <a:latin typeface="+mn-ea"/>
+              </a:rPr>
+              <a:t>전역</a:t>
+            </a:r>
+            <a:r>
+              <a:rPr lang="en-US" altLang="ko-KR" dirty="0" smtClean="0">
+                <a:latin typeface="+mn-ea"/>
+              </a:rPr>
+              <a:t>Scope</a:t>
+            </a:r>
+            <a:r>
+              <a:rPr lang="ko-KR" altLang="en-US" dirty="0" smtClean="0">
+                <a:latin typeface="+mn-ea"/>
+              </a:rPr>
+              <a:t> </a:t>
+            </a:r>
+            <a:r>
+              <a:rPr lang="en-US" altLang="ko-KR" dirty="0" smtClean="0">
+                <a:latin typeface="+mn-ea"/>
+              </a:rPr>
+              <a:t>(Global-Scope) : </a:t>
+            </a:r>
+            <a:r>
+              <a:rPr lang="ko-KR" altLang="en-US" dirty="0" smtClean="0">
+                <a:latin typeface="+mn-ea"/>
+              </a:rPr>
+              <a:t>함수의 외부에 선언된 모든 변수들</a:t>
+            </a:r>
+            <a:endParaRPr lang="en-US" altLang="ko-KR" dirty="0" smtClean="0">
+              <a:latin typeface="+mn-ea"/>
+            </a:endParaRPr>
+          </a:p>
+          <a:p>
             <a:pPr lvl="1"/>
             <a:r>
               <a:rPr lang="en-US" altLang="ko-KR" dirty="0" smtClean="0">
                 <a:latin typeface="+mn-ea"/>
               </a:rPr>
-              <a:t>Let</a:t>
+              <a:t>-</a:t>
             </a:r>
             <a:r>
               <a:rPr lang="ko-KR" altLang="en-US" dirty="0" smtClean="0">
                 <a:latin typeface="+mn-ea"/>
               </a:rPr>
-              <a:t>은 선언 후 나중에 값 할당이 가능</a:t>
+              <a:t>전역 컨텍스트 </a:t>
+            </a:r>
+            <a:endParaRPr lang="en-US" altLang="ko-KR" dirty="0" smtClean="0">
+              <a:latin typeface="+mn-ea"/>
+            </a:endParaRPr>
+          </a:p>
+          <a:p>
+            <a:pPr lvl="2"/>
+            <a:r>
+              <a:rPr lang="ko-KR" altLang="en-US" dirty="0" smtClean="0">
+                <a:latin typeface="+mn-ea"/>
+              </a:rPr>
+              <a:t>지역변수</a:t>
             </a:r>
             <a:r>
               <a:rPr lang="en-US" altLang="ko-KR" dirty="0" smtClean="0">
                 <a:latin typeface="+mn-ea"/>
               </a:rPr>
-              <a:t>, </a:t>
+              <a:t>(</a:t>
             </a:r>
             <a:r>
               <a:rPr lang="en-US" altLang="ko-KR" dirty="0" err="1" smtClean="0">
                 <a:latin typeface="+mn-ea"/>
               </a:rPr>
-              <a:t>const</a:t>
+              <a:t>var,let,const</a:t>
+            </a:r>
+            <a:r>
+              <a:rPr lang="en-US" altLang="ko-KR" dirty="0" smtClean="0">
+                <a:latin typeface="+mn-ea"/>
+              </a:rPr>
+              <a:t>)</a:t>
             </a:r>
             <a:r>
               <a:rPr lang="ko-KR" altLang="en-US" dirty="0" smtClean="0">
                 <a:latin typeface="+mn-ea"/>
               </a:rPr>
-              <a:t>는 선언과 동시에 할당 만 가능</a:t>
-            </a:r>
-            <a:r>
-              <a:rPr lang="en-US" altLang="ko-KR" dirty="0" smtClean="0">
-                <a:latin typeface="+mn-ea"/>
-              </a:rPr>
-              <a:t>.</a:t>
-            </a:r>
+              <a:t>를 사용하지 않고 </a:t>
+            </a:r>
+            <a:r>
+              <a:rPr lang="ko-KR" altLang="en-US" dirty="0">
+                <a:latin typeface="+mn-ea"/>
+              </a:rPr>
+              <a:t>변수 선언 시</a:t>
+            </a:r>
+            <a:r>
+              <a:rPr lang="ko-KR" altLang="en-US" dirty="0" smtClean="0">
+                <a:latin typeface="+mn-ea"/>
+              </a:rPr>
+              <a:t> 전역</a:t>
+            </a:r>
+            <a:r>
+              <a:rPr lang="en-US" altLang="ko-KR" dirty="0">
+                <a:latin typeface="+mn-ea"/>
+              </a:rPr>
+              <a:t> </a:t>
+            </a:r>
+            <a:r>
+              <a:rPr lang="ko-KR" altLang="en-US" dirty="0" smtClean="0">
+                <a:latin typeface="+mn-ea"/>
+              </a:rPr>
+              <a:t>컨텍스트에 추가됨</a:t>
+            </a:r>
+            <a:endParaRPr lang="en-US" altLang="ko-KR" dirty="0" smtClean="0">
+              <a:latin typeface="+mn-ea"/>
+            </a:endParaRPr>
+          </a:p>
+          <a:p>
+            <a:pPr lvl="2"/>
             <a:endParaRPr lang="en-US" altLang="ko-KR" dirty="0">
               <a:latin typeface="+mn-ea"/>
             </a:endParaRPr>
           </a:p>
           <a:p>
             <a:pPr lvl="1"/>
-            <a:endParaRPr lang="ko-KR" altLang="ko-KR" dirty="0">
-              <a:latin typeface="+mn-ea"/>
-            </a:endParaRPr>
-          </a:p>
-          <a:p>
-            <a:r>
-              <a:rPr lang="en-US" altLang="ko-KR" dirty="0">
-                <a:latin typeface="+mn-ea"/>
-              </a:rPr>
-              <a:t>- </a:t>
-            </a:r>
-            <a:r>
-              <a:rPr lang="ko-KR" altLang="ko-KR" dirty="0" err="1" smtClean="0">
-                <a:latin typeface="+mn-ea"/>
-              </a:rPr>
-              <a:t>렉시컬</a:t>
-            </a:r>
             <a:r>
               <a:rPr lang="en-US" altLang="ko-KR" dirty="0" smtClean="0">
                 <a:latin typeface="+mn-ea"/>
               </a:rPr>
-              <a:t> </a:t>
-            </a:r>
-            <a:r>
-              <a:rPr lang="ko-KR" altLang="ko-KR" dirty="0" smtClean="0">
-                <a:latin typeface="+mn-ea"/>
-              </a:rPr>
-              <a:t>레벨</a:t>
-            </a:r>
-            <a:r>
-              <a:rPr lang="en-US" altLang="ko-KR" dirty="0" smtClean="0">
-                <a:latin typeface="+mn-ea"/>
-              </a:rPr>
-              <a:t> :</a:t>
-            </a:r>
-          </a:p>
-          <a:p>
-            <a:pPr lvl="1"/>
-            <a:r>
-              <a:rPr lang="ko-KR" altLang="en-US" dirty="0" err="1" smtClean="0">
-                <a:latin typeface="+mn-ea"/>
-              </a:rPr>
-              <a:t>렉시컬</a:t>
+              <a:t>-window </a:t>
             </a:r>
             <a:r>
               <a:rPr lang="ko-KR" altLang="en-US" dirty="0" smtClean="0">
                 <a:latin typeface="+mn-ea"/>
               </a:rPr>
-              <a:t> </a:t>
-            </a:r>
-            <a:r>
-              <a:rPr lang="ko-KR" altLang="en-US" dirty="0" err="1" smtClean="0">
-                <a:latin typeface="+mn-ea"/>
-              </a:rPr>
-              <a:t>스코프</a:t>
-            </a:r>
-            <a:r>
-              <a:rPr lang="ko-KR" altLang="en-US" dirty="0" smtClean="0">
-                <a:latin typeface="+mn-ea"/>
-              </a:rPr>
-              <a:t> 수정하는 방법은 </a:t>
-            </a:r>
-            <a:r>
-              <a:rPr lang="en-US" altLang="ko-KR" dirty="0" err="1" smtClean="0">
-                <a:latin typeface="+mn-ea"/>
-              </a:rPr>
-              <a:t>eval</a:t>
-            </a:r>
-            <a:r>
-              <a:rPr lang="en-US" altLang="ko-KR" dirty="0" smtClean="0">
-                <a:latin typeface="+mn-ea"/>
-              </a:rPr>
-              <a:t>, with </a:t>
-            </a:r>
-            <a:r>
-              <a:rPr lang="ko-KR" altLang="en-US" dirty="0" smtClean="0">
-                <a:latin typeface="+mn-ea"/>
-              </a:rPr>
-              <a:t>를 </a:t>
-            </a:r>
-            <a:r>
-              <a:rPr lang="ko-KR" altLang="en-US" dirty="0" smtClean="0">
-                <a:latin typeface="+mn-ea"/>
-              </a:rPr>
-              <a:t>사용</a:t>
+              <a:t>객</a:t>
+            </a:r>
+            <a:r>
+              <a:rPr lang="ko-KR" altLang="en-US" dirty="0">
+                <a:latin typeface="+mn-ea"/>
+              </a:rPr>
+              <a:t>체</a:t>
             </a:r>
             <a:endParaRPr lang="en-US" altLang="ko-KR" dirty="0" smtClean="0">
               <a:latin typeface="+mn-ea"/>
             </a:endParaRPr>
           </a:p>
           <a:p>
-            <a:pPr lvl="1"/>
+            <a:pPr lvl="2"/>
             <a:r>
               <a:rPr lang="ko-KR" altLang="en-US" dirty="0" smtClean="0">
                 <a:latin typeface="+mn-ea"/>
               </a:rPr>
-              <a:t>몇가지 이슈로 인하여 </a:t>
+              <a:t>모든 전역 변수는 </a:t>
+            </a:r>
+            <a:r>
+              <a:rPr lang="en-US" altLang="ko-KR" dirty="0" smtClean="0">
+                <a:latin typeface="+mn-ea"/>
+              </a:rPr>
+              <a:t>window</a:t>
             </a:r>
             <a:r>
               <a:rPr lang="ko-KR" altLang="en-US" dirty="0" smtClean="0">
                 <a:latin typeface="+mn-ea"/>
               </a:rPr>
-              <a:t>두 함수 모두 사용하지 않는 것이 좋음</a:t>
+              <a:t>객체와 연결되므로 </a:t>
             </a:r>
             <a:r>
               <a:rPr lang="en-US" altLang="ko-KR" dirty="0" smtClean="0">
                 <a:latin typeface="+mn-ea"/>
               </a:rPr>
-              <a:t>.</a:t>
-            </a:r>
+              <a:t>window</a:t>
+            </a:r>
+            <a:r>
+              <a:rPr lang="ko-KR" altLang="en-US" dirty="0" smtClean="0">
+                <a:latin typeface="+mn-ea"/>
+              </a:rPr>
+              <a:t>객체를 통해 </a:t>
+            </a:r>
+            <a:r>
+              <a:rPr lang="ko-KR" altLang="en-US" dirty="0" err="1" smtClean="0">
+                <a:latin typeface="+mn-ea"/>
+              </a:rPr>
+              <a:t>전역변수</a:t>
+            </a:r>
+            <a:r>
+              <a:rPr lang="ko-KR" altLang="en-US" dirty="0" smtClean="0">
+                <a:latin typeface="+mn-ea"/>
+              </a:rPr>
+              <a:t> 접근이 가능</a:t>
+            </a:r>
+            <a:endParaRPr lang="en-US" altLang="ko-KR" dirty="0" smtClean="0">
+              <a:latin typeface="+mn-ea"/>
+            </a:endParaRPr>
           </a:p>
         </p:txBody>
       </p:sp>
@@ -4552,15 +5870,275 @@
           <a:p>
             <a:r>
               <a:rPr lang="en-US" altLang="ko-KR" dirty="0" smtClean="0"/>
-              <a:t>With </a:t>
-            </a:r>
-            <a:r>
-              <a:rPr lang="ko-KR" altLang="en-US" dirty="0"/>
-              <a:t>란</a:t>
-            </a:r>
-            <a:r>
-              <a:rPr lang="en-US" altLang="ko-KR" dirty="0" smtClean="0"/>
-              <a:t>?</a:t>
+              <a:t>Hoisting</a:t>
+            </a:r>
+            <a:endParaRPr lang="ko-KR" altLang="en-US" dirty="0"/>
+          </a:p>
+        </p:txBody>
+      </p:sp>
+      <p:sp>
+        <p:nvSpPr>
+          <p:cNvPr id="3" name="내용 개체 틀 2"/>
+          <p:cNvSpPr>
+            <a:spLocks noGrp="1"/>
+          </p:cNvSpPr>
+          <p:nvPr>
+            <p:ph idx="1"/>
+          </p:nvPr>
+        </p:nvSpPr>
+        <p:spPr/>
+        <p:txBody>
+          <a:bodyPr/>
+          <a:lstStyle/>
+          <a:p>
+            <a:r>
+              <a:rPr lang="en-US" altLang="ko-KR" dirty="0" smtClean="0"/>
+              <a:t>Hoist : </a:t>
+            </a:r>
+            <a:r>
+              <a:rPr lang="ko-KR" altLang="en-US" dirty="0" smtClean="0"/>
+              <a:t>변수의 정의가 그 범위에 따라 선언과 할당으로 분리되는 것</a:t>
+            </a:r>
+            <a:r>
+              <a:rPr lang="en-US" altLang="ko-KR" dirty="0" smtClean="0"/>
+              <a:t>.</a:t>
+            </a:r>
+          </a:p>
+          <a:p>
+            <a:pPr lvl="1"/>
+            <a:r>
+              <a:rPr lang="ko-KR" altLang="en-US" dirty="0" smtClean="0"/>
+              <a:t>함수에서 선언되었을 때 </a:t>
+            </a:r>
+            <a:r>
+              <a:rPr lang="en-US" altLang="ko-KR" dirty="0" smtClean="0"/>
+              <a:t>: </a:t>
+            </a:r>
+            <a:r>
+              <a:rPr lang="ko-KR" altLang="en-US" dirty="0" smtClean="0"/>
+              <a:t>함수의 최상위</a:t>
+            </a:r>
+            <a:endParaRPr lang="en-US" altLang="ko-KR" dirty="0"/>
+          </a:p>
+          <a:p>
+            <a:pPr lvl="1"/>
+            <a:r>
+              <a:rPr lang="ko-KR" altLang="en-US" dirty="0" smtClean="0"/>
+              <a:t>함수 밖에서 선언되었을 때 </a:t>
+            </a:r>
+            <a:r>
+              <a:rPr lang="en-US" altLang="ko-KR" dirty="0" smtClean="0"/>
+              <a:t>: </a:t>
+            </a:r>
+            <a:r>
+              <a:rPr lang="ko-KR" altLang="en-US" dirty="0" smtClean="0"/>
+              <a:t>전역 컨텍스트 최상위</a:t>
+            </a:r>
+            <a:endParaRPr lang="en-US" altLang="ko-KR" dirty="0" smtClean="0"/>
+          </a:p>
+          <a:p>
+            <a:pPr lvl="1"/>
+            <a:endParaRPr lang="en-US" altLang="ko-KR" dirty="0" smtClean="0"/>
+          </a:p>
+          <a:p>
+            <a:r>
+              <a:rPr lang="ko-KR" altLang="en-US" dirty="0" smtClean="0"/>
+              <a:t>모든 변수는 </a:t>
+            </a:r>
+            <a:r>
+              <a:rPr lang="en-US" altLang="ko-KR" dirty="0" smtClean="0"/>
+              <a:t>Hoisting </a:t>
+            </a:r>
+            <a:r>
+              <a:rPr lang="ko-KR" altLang="en-US" dirty="0" smtClean="0"/>
+              <a:t>됨</a:t>
+            </a:r>
+            <a:r>
+              <a:rPr lang="en-US" altLang="ko-KR" dirty="0" smtClean="0"/>
+              <a:t>.</a:t>
+            </a:r>
+          </a:p>
+          <a:p>
+            <a:r>
+              <a:rPr lang="ko-KR" altLang="en-US" dirty="0" smtClean="0"/>
+              <a:t>함수 선언문 사용시 함수도 </a:t>
+            </a:r>
+            <a:r>
+              <a:rPr lang="en-US" altLang="ko-KR" dirty="0" smtClean="0"/>
+              <a:t>Hoisting </a:t>
+            </a:r>
+            <a:r>
+              <a:rPr lang="ko-KR" altLang="en-US" dirty="0" smtClean="0"/>
+              <a:t>됨</a:t>
+            </a:r>
+            <a:r>
+              <a:rPr lang="en-US" altLang="ko-KR" dirty="0" smtClean="0"/>
+              <a:t>.</a:t>
+            </a:r>
+          </a:p>
+          <a:p>
+            <a:endParaRPr lang="en-US" altLang="ko-KR" dirty="0" smtClean="0"/>
+          </a:p>
+          <a:p>
+            <a:r>
+              <a:rPr lang="ko-KR" altLang="en-US" dirty="0" smtClean="0"/>
+              <a:t>변수와 함수가 동일한 명칭을 사용시 함수가 변수 선언을 덮어 씀</a:t>
+            </a:r>
+            <a:r>
+              <a:rPr lang="en-US" altLang="ko-KR" dirty="0" smtClean="0"/>
+              <a:t>.</a:t>
+            </a:r>
+          </a:p>
+          <a:p>
+            <a:r>
+              <a:rPr lang="ko-KR" altLang="en-US" dirty="0" smtClean="0"/>
+              <a:t>단</a:t>
+            </a:r>
+            <a:r>
+              <a:rPr lang="en-US" altLang="ko-KR" dirty="0" smtClean="0"/>
+              <a:t>, </a:t>
+            </a:r>
+            <a:r>
+              <a:rPr lang="ko-KR" altLang="en-US" dirty="0" smtClean="0"/>
+              <a:t>변수에 값이 있을 때는 변수가 함수 선언을 덮어 씀</a:t>
+            </a:r>
+            <a:r>
+              <a:rPr lang="en-US" altLang="ko-KR" dirty="0" smtClean="0"/>
+              <a:t>.</a:t>
+            </a:r>
+          </a:p>
+          <a:p>
+            <a:endParaRPr lang="en-US" altLang="ko-KR" dirty="0" smtClean="0"/>
+          </a:p>
+          <a:p>
+            <a:endParaRPr lang="ko-KR" altLang="en-US" dirty="0"/>
+          </a:p>
+        </p:txBody>
+      </p:sp>
+      <p:pic>
+        <p:nvPicPr>
+          <p:cNvPr id="5" name="그림 4"/>
+          <p:cNvPicPr>
+            <a:picLocks noChangeAspect="1"/>
+          </p:cNvPicPr>
+          <p:nvPr/>
+        </p:nvPicPr>
+        <p:blipFill>
+          <a:blip r:embed="rId2">
+            <a:extLst>
+              <a:ext uri="{28A0092B-C50C-407E-A947-70E740481C1C}">
+                <a14:useLocalDpi xmlns:a14="http://schemas.microsoft.com/office/drawing/2010/main" val="0"/>
+              </a:ext>
+            </a:extLst>
+          </a:blip>
+          <a:stretch>
+            <a:fillRect/>
+          </a:stretch>
+        </p:blipFill>
+        <p:spPr>
+          <a:xfrm>
+            <a:off x="5422493" y="4920157"/>
+            <a:ext cx="1971675" cy="895350"/>
+          </a:xfrm>
+          <a:prstGeom prst="rect">
+            <a:avLst/>
+          </a:prstGeom>
+        </p:spPr>
+      </p:pic>
+      <p:pic>
+        <p:nvPicPr>
+          <p:cNvPr id="6" name="그림 5"/>
+          <p:cNvPicPr>
+            <a:picLocks noChangeAspect="1"/>
+          </p:cNvPicPr>
+          <p:nvPr/>
+        </p:nvPicPr>
+        <p:blipFill>
+          <a:blip r:embed="rId3">
+            <a:extLst>
+              <a:ext uri="{28A0092B-C50C-407E-A947-70E740481C1C}">
+                <a14:useLocalDpi xmlns:a14="http://schemas.microsoft.com/office/drawing/2010/main" val="0"/>
+              </a:ext>
+            </a:extLst>
+          </a:blip>
+          <a:stretch>
+            <a:fillRect/>
+          </a:stretch>
+        </p:blipFill>
+        <p:spPr>
+          <a:xfrm>
+            <a:off x="2961695" y="4910632"/>
+            <a:ext cx="1943100" cy="914400"/>
+          </a:xfrm>
+          <a:prstGeom prst="rect">
+            <a:avLst/>
+          </a:prstGeom>
+        </p:spPr>
+      </p:pic>
+    </p:spTree>
+    <p:extLst>
+      <p:ext uri="{BB962C8B-B14F-4D97-AF65-F5344CB8AC3E}">
+        <p14:creationId xmlns:p14="http://schemas.microsoft.com/office/powerpoint/2010/main" val="629044422"/>
+      </p:ext>
+    </p:extLst>
+  </p:cSld>
+  <p:clrMapOvr>
+    <a:masterClrMapping/>
+  </p:clrMapOvr>
+</p:sld>
+</file>
+
+<file path=ppt/slides/slide5.xml><?xml version="1.0" encoding="utf-8"?>
+<p:sld xmlns:a="http://schemas.openxmlformats.org/drawingml/2006/main" xmlns:r="http://schemas.openxmlformats.org/officeDocument/2006/relationships" xmlns:p="http://schemas.openxmlformats.org/presentationml/2006/main">
+  <p:cSld>
+    <p:spTree>
+      <p:nvGrpSpPr>
+        <p:cNvPr id="1" name=""/>
+        <p:cNvGrpSpPr/>
+        <p:nvPr/>
+      </p:nvGrpSpPr>
+      <p:grpSpPr>
+        <a:xfrm>
+          <a:off x="0" y="0"/>
+          <a:ext cx="0" cy="0"/>
+          <a:chOff x="0" y="0"/>
+          <a:chExt cx="0" cy="0"/>
+        </a:xfrm>
+      </p:grpSpPr>
+      <p:sp>
+        <p:nvSpPr>
+          <p:cNvPr id="2" name="제목 1"/>
+          <p:cNvSpPr>
+            <a:spLocks noGrp="1"/>
+          </p:cNvSpPr>
+          <p:nvPr>
+            <p:ph type="title"/>
+          </p:nvPr>
+        </p:nvSpPr>
+        <p:spPr/>
+        <p:txBody>
+          <a:bodyPr/>
+          <a:lstStyle/>
+          <a:p>
+            <a:pPr algn="ctr"/>
+            <a:r>
+              <a:rPr lang="en-US" altLang="ko-KR" dirty="0" smtClean="0"/>
+              <a:t>Scope </a:t>
+            </a:r>
+            <a:r>
+              <a:rPr lang="en-US" altLang="ko-KR" dirty="0" smtClean="0"/>
+              <a:t/>
+            </a:r>
+            <a:br>
+              <a:rPr lang="en-US" altLang="ko-KR" dirty="0" smtClean="0"/>
+            </a:br>
+            <a:r>
+              <a:rPr lang="ko-KR" altLang="en-US" dirty="0" smtClean="0"/>
+              <a:t>범위 </a:t>
+            </a:r>
+            <a:r>
+              <a:rPr lang="en-US" altLang="ko-KR" dirty="0" smtClean="0"/>
+              <a:t>2</a:t>
             </a:r>
             <a:endParaRPr lang="ko-KR" altLang="en-US" dirty="0"/>
           </a:p>
@@ -4584,12 +6162,539 @@
           <a:lstStyle/>
           <a:p>
             <a:r>
+              <a:rPr lang="ko-KR" altLang="en-US" dirty="0">
+                <a:latin typeface="+mn-ea"/>
+              </a:rPr>
+              <a:t>어휘적</a:t>
+            </a:r>
+            <a:r>
+              <a:rPr lang="en-US" altLang="ko-KR" dirty="0">
+                <a:latin typeface="+mn-ea"/>
+              </a:rPr>
+              <a:t>Scope(Lexical-Scope</a:t>
+            </a:r>
+            <a:r>
               <a:rPr lang="en-US" altLang="ko-KR" dirty="0" smtClean="0">
                 <a:latin typeface="+mn-ea"/>
               </a:rPr>
+              <a:t>): </a:t>
+            </a:r>
+            <a:r>
+              <a:rPr lang="ko-KR" altLang="en-US" dirty="0" smtClean="0">
+                <a:latin typeface="+mn-ea"/>
+              </a:rPr>
+              <a:t>또는 정적 </a:t>
+            </a:r>
+            <a:r>
+              <a:rPr lang="en-US" altLang="ko-KR" dirty="0" smtClean="0">
+                <a:latin typeface="+mn-ea"/>
+              </a:rPr>
+              <a:t>Scope(Static-Scope)</a:t>
+            </a:r>
+          </a:p>
+          <a:p>
+            <a:pPr lvl="1"/>
+            <a:r>
+              <a:rPr lang="ko-KR" altLang="en-US" dirty="0"/>
+              <a:t>변수나 함수가 </a:t>
+            </a:r>
+            <a:r>
+              <a:rPr lang="ko-KR" altLang="en-US" b="1" dirty="0"/>
+              <a:t>정의 된 곳</a:t>
+            </a:r>
+            <a:r>
+              <a:rPr lang="ko-KR" altLang="en-US" dirty="0"/>
+              <a:t>의 </a:t>
+            </a:r>
+            <a:r>
+              <a:rPr lang="en-US" altLang="ko-KR" dirty="0"/>
+              <a:t>context</a:t>
+            </a:r>
+            <a:r>
+              <a:rPr lang="ko-KR" altLang="en-US" dirty="0"/>
+              <a:t>를 </a:t>
+            </a:r>
+            <a:r>
+              <a:rPr lang="ko-KR" altLang="en-US" dirty="0" smtClean="0"/>
+              <a:t>사용</a:t>
+            </a:r>
+            <a:r>
+              <a:rPr lang="en-US" altLang="ko-KR" dirty="0" smtClean="0">
+                <a:latin typeface="+mn-ea"/>
+              </a:rPr>
+              <a:t>. &lt;-&gt; </a:t>
+            </a:r>
+            <a:r>
+              <a:rPr lang="en-US" altLang="ko-KR" dirty="0" err="1" smtClean="0">
+                <a:latin typeface="+mn-ea"/>
+              </a:rPr>
+              <a:t>perl</a:t>
+            </a:r>
+            <a:r>
+              <a:rPr lang="ko-KR" altLang="en-US" dirty="0" smtClean="0">
+                <a:latin typeface="+mn-ea"/>
+              </a:rPr>
+              <a:t>의 동적 </a:t>
+            </a:r>
+            <a:r>
+              <a:rPr lang="en-US" altLang="ko-KR" dirty="0" smtClean="0">
+                <a:latin typeface="+mn-ea"/>
+              </a:rPr>
+              <a:t>Scope</a:t>
+            </a:r>
+            <a:endParaRPr lang="en-US" altLang="ko-KR" dirty="0">
+              <a:latin typeface="+mn-ea"/>
+            </a:endParaRPr>
+          </a:p>
+          <a:p>
+            <a:pPr lvl="1"/>
+            <a:endParaRPr lang="en-US" altLang="ko-KR" dirty="0" smtClean="0">
+              <a:latin typeface="+mn-ea"/>
+            </a:endParaRPr>
+          </a:p>
+          <a:p>
+            <a:pPr lvl="1"/>
+            <a:endParaRPr lang="en-US" altLang="ko-KR" dirty="0" smtClean="0">
+              <a:latin typeface="+mn-ea"/>
+            </a:endParaRPr>
+          </a:p>
+          <a:p>
+            <a:pPr lvl="1"/>
+            <a:endParaRPr lang="en-US" altLang="ko-KR" dirty="0">
+              <a:latin typeface="+mn-ea"/>
+            </a:endParaRPr>
+          </a:p>
+          <a:p>
+            <a:pPr lvl="1"/>
+            <a:endParaRPr lang="en-US" altLang="ko-KR" dirty="0" smtClean="0">
+              <a:latin typeface="+mn-ea"/>
+            </a:endParaRPr>
+          </a:p>
+          <a:p>
+            <a:pPr lvl="1"/>
+            <a:endParaRPr lang="en-US" altLang="ko-KR" dirty="0">
+              <a:latin typeface="+mn-ea"/>
+            </a:endParaRPr>
+          </a:p>
+          <a:p>
+            <a:pPr lvl="1"/>
+            <a:endParaRPr lang="en-US" altLang="ko-KR" dirty="0" smtClean="0">
+              <a:latin typeface="+mn-ea"/>
+            </a:endParaRPr>
+          </a:p>
+          <a:p>
+            <a:pPr lvl="1"/>
+            <a:endParaRPr lang="en-US" altLang="ko-KR" dirty="0">
+              <a:latin typeface="+mn-ea"/>
+            </a:endParaRPr>
+          </a:p>
+          <a:p>
+            <a:pPr lvl="1"/>
+            <a:endParaRPr lang="en-US" altLang="ko-KR" dirty="0" smtClean="0">
+              <a:latin typeface="+mn-ea"/>
+            </a:endParaRPr>
+          </a:p>
+          <a:p>
+            <a:pPr lvl="1"/>
+            <a:endParaRPr lang="en-US" altLang="ko-KR" dirty="0">
+              <a:latin typeface="+mn-ea"/>
+            </a:endParaRPr>
+          </a:p>
+          <a:p>
+            <a:pPr lvl="1"/>
+            <a:endParaRPr lang="en-US" altLang="ko-KR" dirty="0" smtClean="0">
+              <a:latin typeface="+mn-ea"/>
+            </a:endParaRPr>
+          </a:p>
+          <a:p>
+            <a:pPr lvl="1"/>
+            <a:endParaRPr lang="en-US" altLang="ko-KR" dirty="0" smtClean="0">
+              <a:latin typeface="+mn-ea"/>
+            </a:endParaRPr>
+          </a:p>
+          <a:p>
+            <a:pPr lvl="1"/>
+            <a:r>
+              <a:rPr lang="ko-KR" altLang="en-US" dirty="0" err="1" smtClean="0">
+                <a:latin typeface="+mn-ea"/>
+              </a:rPr>
+              <a:t>렉시컬</a:t>
+            </a:r>
+            <a:r>
+              <a:rPr lang="ko-KR" altLang="en-US" dirty="0" smtClean="0">
+                <a:latin typeface="+mn-ea"/>
+              </a:rPr>
+              <a:t> </a:t>
+            </a:r>
+            <a:r>
+              <a:rPr lang="ko-KR" altLang="en-US" dirty="0" err="1">
+                <a:latin typeface="+mn-ea"/>
+              </a:rPr>
+              <a:t>스코프를</a:t>
+            </a:r>
+            <a:r>
+              <a:rPr lang="ko-KR" altLang="en-US" dirty="0">
+                <a:latin typeface="+mn-ea"/>
+              </a:rPr>
+              <a:t> 수정하는 방법은 </a:t>
+            </a:r>
+            <a:r>
+              <a:rPr lang="en-US" altLang="ko-KR" dirty="0" err="1">
+                <a:latin typeface="+mn-ea"/>
+              </a:rPr>
+              <a:t>eval</a:t>
+            </a:r>
+            <a:r>
+              <a:rPr lang="en-US" altLang="ko-KR" dirty="0">
+                <a:latin typeface="+mn-ea"/>
+              </a:rPr>
+              <a:t>, with </a:t>
+            </a:r>
+            <a:r>
+              <a:rPr lang="ko-KR" altLang="en-US" dirty="0">
+                <a:latin typeface="+mn-ea"/>
+              </a:rPr>
+              <a:t>를 </a:t>
+            </a:r>
+            <a:r>
+              <a:rPr lang="ko-KR" altLang="en-US" dirty="0" smtClean="0">
+                <a:latin typeface="+mn-ea"/>
+              </a:rPr>
+              <a:t>사용할 수 있지만</a:t>
+            </a:r>
+            <a:endParaRPr lang="en-US" altLang="ko-KR" dirty="0">
+              <a:latin typeface="+mn-ea"/>
+            </a:endParaRPr>
+          </a:p>
+          <a:p>
+            <a:pPr lvl="1"/>
+            <a:r>
+              <a:rPr lang="ko-KR" altLang="en-US" dirty="0">
+                <a:latin typeface="+mn-ea"/>
+              </a:rPr>
+              <a:t>몇가지 이슈로 인하여 두 함수 모두 사용하지 않는 것이 좋음</a:t>
+            </a:r>
+            <a:r>
+              <a:rPr lang="en-US" altLang="ko-KR" dirty="0">
+                <a:latin typeface="+mn-ea"/>
+              </a:rPr>
+              <a:t>.</a:t>
+            </a:r>
+          </a:p>
+        </p:txBody>
+      </p:sp>
+      <p:pic>
+        <p:nvPicPr>
+          <p:cNvPr id="4" name="그림 3"/>
+          <p:cNvPicPr>
+            <a:picLocks noChangeAspect="1"/>
+          </p:cNvPicPr>
+          <p:nvPr/>
+        </p:nvPicPr>
+        <p:blipFill rotWithShape="1">
+          <a:blip r:embed="rId2">
+            <a:extLst>
+              <a:ext uri="{28A0092B-C50C-407E-A947-70E740481C1C}">
+                <a14:useLocalDpi xmlns:a14="http://schemas.microsoft.com/office/drawing/2010/main" val="0"/>
+              </a:ext>
+            </a:extLst>
+          </a:blip>
+          <a:srcRect t="6512"/>
+          <a:stretch/>
+        </p:blipFill>
+        <p:spPr>
+          <a:xfrm>
+            <a:off x="3195331" y="1645919"/>
+            <a:ext cx="7114529" cy="3349327"/>
+          </a:xfrm>
+          <a:prstGeom prst="rect">
+            <a:avLst/>
+          </a:prstGeom>
+        </p:spPr>
+      </p:pic>
+    </p:spTree>
+    <p:extLst>
+      <p:ext uri="{BB962C8B-B14F-4D97-AF65-F5344CB8AC3E}">
+        <p14:creationId xmlns:p14="http://schemas.microsoft.com/office/powerpoint/2010/main" val="4099849713"/>
+      </p:ext>
+    </p:extLst>
+  </p:cSld>
+  <p:clrMapOvr>
+    <a:masterClrMapping/>
+  </p:clrMapOvr>
+  <p:timing>
+    <p:tnLst>
+      <p:par>
+        <p:cTn id="1" dur="indefinite" restart="never" nodeType="tmRoot"/>
+      </p:par>
+    </p:tnLst>
+  </p:timing>
+</p:sld>
+</file>
+
+<file path=ppt/slides/slide6.xml><?xml version="1.0" encoding="utf-8"?>
+<p:sld xmlns:a="http://schemas.openxmlformats.org/drawingml/2006/main" xmlns:r="http://schemas.openxmlformats.org/officeDocument/2006/relationships" xmlns:p="http://schemas.openxmlformats.org/presentationml/2006/main">
+  <p:cSld>
+    <p:spTree>
+      <p:nvGrpSpPr>
+        <p:cNvPr id="1" name=""/>
+        <p:cNvGrpSpPr/>
+        <p:nvPr/>
+      </p:nvGrpSpPr>
+      <p:grpSpPr>
+        <a:xfrm>
+          <a:off x="0" y="0"/>
+          <a:ext cx="0" cy="0"/>
+          <a:chOff x="0" y="0"/>
+          <a:chExt cx="0" cy="0"/>
+        </a:xfrm>
+      </p:grpSpPr>
+      <p:sp>
+        <p:nvSpPr>
+          <p:cNvPr id="2" name="제목 1"/>
+          <p:cNvSpPr>
+            <a:spLocks noGrp="1"/>
+          </p:cNvSpPr>
+          <p:nvPr>
+            <p:ph type="title"/>
+          </p:nvPr>
+        </p:nvSpPr>
+        <p:spPr/>
+        <p:txBody>
+          <a:bodyPr/>
+          <a:lstStyle/>
+          <a:p>
+            <a:r>
+              <a:rPr lang="en-US" altLang="ko-KR" dirty="0" smtClean="0"/>
+              <a:t>Scope Chain</a:t>
+            </a:r>
+            <a:endParaRPr lang="ko-KR" altLang="en-US" dirty="0"/>
+          </a:p>
+        </p:txBody>
+      </p:sp>
+      <p:sp>
+        <p:nvSpPr>
+          <p:cNvPr id="3" name="내용 개체 틀 2"/>
+          <p:cNvSpPr>
+            <a:spLocks noGrp="1"/>
+          </p:cNvSpPr>
+          <p:nvPr>
+            <p:ph idx="1"/>
+          </p:nvPr>
+        </p:nvSpPr>
+        <p:spPr/>
+        <p:txBody>
+          <a:bodyPr/>
+          <a:lstStyle/>
+          <a:p>
+            <a:r>
+              <a:rPr lang="en-US" altLang="ko-KR" dirty="0">
+                <a:latin typeface="+mn-ea"/>
+              </a:rPr>
+              <a:t>Scope Chain</a:t>
+            </a:r>
+          </a:p>
+          <a:p>
+            <a:pPr lvl="1"/>
+            <a:r>
+              <a:rPr lang="ko-KR" altLang="en-US" dirty="0" smtClean="0">
+                <a:latin typeface="+mn-ea"/>
+              </a:rPr>
+              <a:t>자신만의 </a:t>
+            </a:r>
+            <a:r>
+              <a:rPr lang="ko-KR" altLang="en-US" dirty="0" err="1" smtClean="0">
+                <a:latin typeface="+mn-ea"/>
+              </a:rPr>
+              <a:t>스코프를</a:t>
+            </a:r>
+            <a:r>
+              <a:rPr lang="ko-KR" altLang="en-US" dirty="0" smtClean="0">
+                <a:latin typeface="+mn-ea"/>
+              </a:rPr>
+              <a:t> 가지고 있는 함수가 </a:t>
+            </a:r>
+            <a:r>
+              <a:rPr lang="ko-KR" altLang="en-US" dirty="0" err="1" smtClean="0">
+                <a:latin typeface="+mn-ea"/>
+              </a:rPr>
+              <a:t>외부함수의</a:t>
+            </a:r>
+            <a:r>
+              <a:rPr lang="ko-KR" altLang="en-US" dirty="0" smtClean="0">
+                <a:latin typeface="+mn-ea"/>
+              </a:rPr>
+              <a:t> 지역 변수를 사용하고 있다면 </a:t>
+            </a:r>
+            <a:r>
+              <a:rPr lang="ko-KR" altLang="en-US" dirty="0" err="1" smtClean="0">
+                <a:latin typeface="+mn-ea"/>
+              </a:rPr>
+              <a:t>내부함수와</a:t>
+            </a:r>
+            <a:r>
+              <a:rPr lang="ko-KR" altLang="en-US" dirty="0" smtClean="0">
+                <a:latin typeface="+mn-ea"/>
+              </a:rPr>
+              <a:t> </a:t>
+            </a:r>
+            <a:r>
+              <a:rPr lang="ko-KR" altLang="en-US" dirty="0" err="1" smtClean="0">
+                <a:latin typeface="+mn-ea"/>
+              </a:rPr>
+              <a:t>외부함수는</a:t>
+            </a:r>
+            <a:r>
+              <a:rPr lang="ko-KR" altLang="en-US" dirty="0" smtClean="0">
+                <a:latin typeface="+mn-ea"/>
+              </a:rPr>
+              <a:t> 서로 연결되어 있고 이것을 </a:t>
+            </a:r>
+            <a:r>
+              <a:rPr lang="ko-KR" altLang="en-US" dirty="0" err="1" smtClean="0">
+                <a:latin typeface="+mn-ea"/>
+              </a:rPr>
+              <a:t>스코프</a:t>
+            </a:r>
+            <a:r>
+              <a:rPr lang="ko-KR" altLang="en-US" dirty="0" smtClean="0">
+                <a:latin typeface="+mn-ea"/>
+              </a:rPr>
+              <a:t> 체인이라고 부름</a:t>
+            </a:r>
+            <a:r>
+              <a:rPr lang="en-US" altLang="ko-KR" dirty="0" smtClean="0">
+                <a:latin typeface="+mn-ea"/>
+              </a:rPr>
+              <a:t>.</a:t>
+            </a:r>
+          </a:p>
+          <a:p>
+            <a:pPr lvl="1"/>
+            <a:endParaRPr lang="en-US" altLang="ko-KR" dirty="0">
+              <a:latin typeface="+mn-ea"/>
+            </a:endParaRPr>
+          </a:p>
+          <a:p>
+            <a:pPr lvl="1"/>
+            <a:r>
+              <a:rPr lang="en-US" altLang="ko-KR" dirty="0" smtClean="0">
+                <a:latin typeface="+mn-ea"/>
+              </a:rPr>
+              <a:t>Function </a:t>
+            </a:r>
+            <a:r>
+              <a:rPr lang="ko-KR" altLang="en-US" dirty="0" smtClean="0">
+                <a:latin typeface="+mn-ea"/>
+              </a:rPr>
+              <a:t>내의 변수를 찾을 때까지 그 </a:t>
+            </a:r>
+            <a:r>
+              <a:rPr lang="en-US" altLang="ko-KR" dirty="0" smtClean="0">
+                <a:latin typeface="+mn-ea"/>
+              </a:rPr>
+              <a:t>Scope Chain </a:t>
+            </a:r>
+            <a:r>
+              <a:rPr lang="ko-KR" altLang="en-US" dirty="0" smtClean="0">
+                <a:latin typeface="+mn-ea"/>
+              </a:rPr>
+              <a:t>의 가장 내부에서부터 외부 방향으로 검색을 하며 찾음</a:t>
+            </a:r>
+            <a:r>
+              <a:rPr lang="en-US" altLang="ko-KR" dirty="0" smtClean="0">
+                <a:latin typeface="+mn-ea"/>
+              </a:rPr>
+              <a:t>.</a:t>
+            </a:r>
+          </a:p>
+        </p:txBody>
+      </p:sp>
+    </p:spTree>
+    <p:extLst>
+      <p:ext uri="{BB962C8B-B14F-4D97-AF65-F5344CB8AC3E}">
+        <p14:creationId xmlns:p14="http://schemas.microsoft.com/office/powerpoint/2010/main" val="3396084615"/>
+      </p:ext>
+    </p:extLst>
+  </p:cSld>
+  <p:clrMapOvr>
+    <a:masterClrMapping/>
+  </p:clrMapOvr>
+</p:sld>
+</file>
+
+<file path=ppt/slides/slide7.xml><?xml version="1.0" encoding="utf-8"?>
+<p:sld xmlns:a="http://schemas.openxmlformats.org/drawingml/2006/main" xmlns:r="http://schemas.openxmlformats.org/officeDocument/2006/relationships" xmlns:p="http://schemas.openxmlformats.org/presentationml/2006/main">
+  <p:cSld>
+    <p:spTree>
+      <p:nvGrpSpPr>
+        <p:cNvPr id="1" name=""/>
+        <p:cNvGrpSpPr/>
+        <p:nvPr/>
+      </p:nvGrpSpPr>
+      <p:grpSpPr>
+        <a:xfrm>
+          <a:off x="0" y="0"/>
+          <a:ext cx="0" cy="0"/>
+          <a:chOff x="0" y="0"/>
+          <a:chExt cx="0" cy="0"/>
+        </a:xfrm>
+      </p:grpSpPr>
+      <p:sp>
+        <p:nvSpPr>
+          <p:cNvPr id="2" name="제목 1"/>
+          <p:cNvSpPr>
+            <a:spLocks noGrp="1"/>
+          </p:cNvSpPr>
+          <p:nvPr>
+            <p:ph type="title"/>
+          </p:nvPr>
+        </p:nvSpPr>
+        <p:spPr/>
+        <p:txBody>
+          <a:bodyPr/>
+          <a:lstStyle/>
+          <a:p>
+            <a:r>
+              <a:rPr lang="en-US" altLang="ko-KR" dirty="0" smtClean="0"/>
               <a:t>with </a:t>
             </a:r>
             <a:r>
+              <a:rPr lang="ko-KR" altLang="en-US" dirty="0"/>
+              <a:t>란</a:t>
+            </a:r>
+            <a:r>
+              <a:rPr lang="en-US" altLang="ko-KR" dirty="0" smtClean="0"/>
+              <a:t>?</a:t>
+            </a:r>
+            <a:endParaRPr lang="ko-KR" altLang="en-US" dirty="0"/>
+          </a:p>
+        </p:txBody>
+      </p:sp>
+      <p:sp>
+        <p:nvSpPr>
+          <p:cNvPr id="3" name="내용 개체 틀 2"/>
+          <p:cNvSpPr>
+            <a:spLocks noGrp="1"/>
+          </p:cNvSpPr>
+          <p:nvPr>
+            <p:ph idx="1"/>
+          </p:nvPr>
+        </p:nvSpPr>
+        <p:spPr/>
+        <p:txBody>
+          <a:bodyPr>
+            <a:normAutofit/>
+          </a:bodyPr>
+          <a:lstStyle/>
+          <a:p>
+            <a:r>
+              <a:rPr lang="en-US" altLang="ko-KR" dirty="0" smtClean="0">
+                <a:latin typeface="+mn-ea"/>
+              </a:rPr>
+              <a:t>with </a:t>
+            </a:r>
+            <a:r>
               <a:rPr lang="ko-KR" altLang="en-US" dirty="0" smtClean="0">
                 <a:latin typeface="+mn-ea"/>
               </a:rPr>
@@ -4623,25 +6728,19 @@
               <a:rPr lang="ko-KR" altLang="en-US" dirty="0">
                 <a:latin typeface="+mn-ea"/>
               </a:rPr>
-              <a:t>를 추가한다</a:t>
-            </a:r>
-            <a:r>
-              <a:rPr lang="en-US" altLang="ko-KR" dirty="0">
-                <a:latin typeface="+mn-ea"/>
-              </a:rPr>
-              <a:t>.</a:t>
-            </a:r>
-            <a:r>
-              <a:rPr lang="ko-KR" altLang="en-US" dirty="0">
-                <a:latin typeface="+mn-ea"/>
-              </a:rPr>
-              <a:t/>
-            </a:r>
-            <a:br>
-              <a:rPr lang="ko-KR" altLang="en-US" dirty="0">
-                <a:latin typeface="+mn-ea"/>
-              </a:rPr>
-            </a:br>
+              <a:t>를 </a:t>
+            </a:r>
+            <a:r>
+              <a:rPr lang="ko-KR" altLang="en-US" dirty="0" smtClean="0">
+                <a:latin typeface="+mn-ea"/>
+              </a:rPr>
+              <a:t>추가</a:t>
+            </a:r>
+            <a:endParaRPr lang="en-US" altLang="ko-KR" dirty="0" smtClean="0">
+              <a:latin typeface="+mn-ea"/>
+            </a:endParaRPr>
+          </a:p>
+          <a:p>
             <a:endParaRPr lang="en-US" altLang="ko-KR" dirty="0" smtClean="0">
               <a:latin typeface="+mn-ea"/>
             </a:endParaRPr>
@@ -4840,7 +6939,7 @@
 </p:sld>
 </file>
 
-<file path=ppt/slides/slide5.xml><?xml version="1.0" encoding="utf-8"?>
+<file path=ppt/slides/slide8.xml><?xml version="1.0" encoding="utf-8"?>
 <p:sld xmlns:a="http://schemas.openxmlformats.org/drawingml/2006/main" xmlns:r="http://schemas.openxmlformats.org/officeDocument/2006/relationships" xmlns:p="http://schemas.openxmlformats.org/presentationml/2006/main">
   <p:cSld>
     <p:spTree>
@@ -4873,8 +6972,12 @@
           <a:lstStyle/>
           <a:p>
             <a:r>
-              <a:rPr lang="en-US" altLang="ko-KR" dirty="0" smtClean="0"/>
-              <a:t>With</a:t>
+              <a:rPr lang="en-US" altLang="ko-KR" dirty="0"/>
+              <a:t>w</a:t>
+            </a:r>
+            <a:r>
+              <a:rPr lang="en-US" altLang="ko-KR" dirty="0" smtClean="0"/>
+              <a:t>ith</a:t>
             </a:r>
             <a:r>
               <a:rPr lang="ko-KR" altLang="en-US" dirty="0" smtClean="0"/>
@@ -4981,8 +7084,12 @@
           </a:p>
           <a:p>
             <a:r>
-              <a:rPr lang="en-US" altLang="ko-KR" dirty="0" smtClean="0"/>
-              <a:t>With</a:t>
+              <a:rPr lang="en-US" altLang="ko-KR" dirty="0"/>
+              <a:t>w</a:t>
+            </a:r>
+            <a:r>
+              <a:rPr lang="en-US" altLang="ko-KR" dirty="0" smtClean="0"/>
+              <a:t>ith</a:t>
             </a:r>
             <a:r>
               <a:rPr lang="ko-KR" altLang="en-US" dirty="0" smtClean="0"/>
@@ -5161,7 +7268,7 @@
 </p:sld>
 </file>
 
-<file path=ppt/slides/slide6.xml><?xml version="1.0" encoding="utf-8"?>
+<file path=ppt/slides/slide9.xml><?xml version="1.0" encoding="utf-8"?>
 <p:sld xmlns:a="http://schemas.openxmlformats.org/drawingml/2006/main" xmlns:r="http://schemas.openxmlformats.org/officeDocument/2006/relationships" xmlns:p="http://schemas.openxmlformats.org/presentationml/2006/main">
   <p:cSld>
     <p:spTree>
@@ -5194,12 +7301,8 @@
           <a:lstStyle/>
           <a:p>
             <a:r>
-              <a:rPr lang="ko-KR" altLang="en-US" dirty="0" smtClean="0"/>
-              <a:t>클로저</a:t>
-            </a:r>
-            <a:r>
-              <a:rPr lang="en-US" altLang="ko-KR" dirty="0" smtClean="0"/>
-              <a:t>?</a:t>
+              <a:rPr lang="en-US" altLang="ko-KR" dirty="0" smtClean="0"/>
+              <a:t>Closure</a:t>
             </a:r>
             <a:endParaRPr lang="ko-KR" altLang="en-US" dirty="0"/>
           </a:p>
@@ -5221,162 +7324,209 @@
           <a:lstStyle/>
           <a:p>
             <a:r>
-              <a:rPr lang="ko-KR" altLang="en-US" dirty="0" smtClean="0"/>
-              <a:t>특정 함수가 참조하는 변수들이 선언된 렉시컬 스코프는 계속 유지되는데 그 함수와 스코프를 묶어서 클로저라 부름</a:t>
-            </a:r>
+              <a:rPr lang="ko-KR" altLang="en-US" dirty="0"/>
+              <a:t>함수와 함수가 선언된 어휘적 환경</a:t>
+            </a:r>
+            <a:r>
+              <a:rPr lang="en-US" altLang="ko-KR" dirty="0"/>
+              <a:t>(Lexical-</a:t>
+            </a:r>
+            <a:r>
+              <a:rPr lang="en-US" altLang="ko-KR" dirty="0" err="1"/>
+              <a:t>Enviroment</a:t>
+            </a:r>
+            <a:r>
+              <a:rPr lang="en-US" altLang="ko-KR" dirty="0"/>
+              <a:t>)</a:t>
+            </a:r>
+            <a:r>
+              <a:rPr lang="ko-KR" altLang="en-US" dirty="0"/>
+              <a:t>의 조합</a:t>
+            </a:r>
+            <a:endParaRPr lang="en-US" altLang="ko-KR" dirty="0"/>
+          </a:p>
+          <a:p>
+            <a:r>
+              <a:rPr lang="ko-KR" altLang="en-US" dirty="0" smtClean="0"/>
+              <a:t>사전적 의미 </a:t>
+            </a:r>
+            <a:r>
+              <a:rPr lang="en-US" altLang="ko-KR" dirty="0" smtClean="0"/>
+              <a:t>: </a:t>
+            </a:r>
+            <a:r>
+              <a:rPr lang="ko-KR" altLang="en-US" dirty="0" smtClean="0"/>
+              <a:t>함수 </a:t>
+            </a:r>
+            <a:r>
+              <a:rPr lang="en-US" altLang="ko-KR" dirty="0"/>
+              <a:t>+ </a:t>
+            </a:r>
+            <a:r>
+              <a:rPr lang="ko-KR" altLang="en-US" dirty="0"/>
+              <a:t>함수를 둘러싼 환경</a:t>
+            </a:r>
+            <a:r>
+              <a:rPr lang="en-US" altLang="ko-KR" dirty="0"/>
+              <a:t>(Lexical environment</a:t>
+            </a:r>
+            <a:r>
+              <a:rPr lang="en-US" altLang="ko-KR" dirty="0" smtClean="0"/>
+              <a:t>)</a:t>
+            </a:r>
+          </a:p>
+          <a:p>
+            <a:pPr lvl="1"/>
+            <a:r>
+              <a:rPr lang="ko-KR" altLang="en-US" dirty="0"/>
+              <a:t>함수를 만들고 그 함수 내부의 코드가 탐색하는 </a:t>
+            </a:r>
+            <a:r>
+              <a:rPr lang="ko-KR" altLang="en-US" dirty="0" err="1"/>
+              <a:t>스코프를</a:t>
+            </a:r>
+            <a:r>
+              <a:rPr lang="ko-KR" altLang="en-US" dirty="0"/>
+              <a:t> 함수 생성 당시의 </a:t>
+            </a:r>
+            <a:r>
+              <a:rPr lang="ko-KR" altLang="en-US" dirty="0" err="1"/>
+              <a:t>렉시컬</a:t>
+            </a:r>
+            <a:r>
+              <a:rPr lang="ko-KR" altLang="en-US" dirty="0"/>
+              <a:t> </a:t>
+            </a:r>
+            <a:r>
+              <a:rPr lang="ko-KR" altLang="en-US" dirty="0" err="1"/>
+              <a:t>스코프로</a:t>
+            </a:r>
+            <a:r>
+              <a:rPr lang="ko-KR" altLang="en-US" dirty="0"/>
+              <a:t> </a:t>
+            </a:r>
+            <a:r>
+              <a:rPr lang="ko-KR" altLang="en-US" dirty="0" smtClean="0"/>
+              <a:t>고정한 것</a:t>
+            </a:r>
+            <a:r>
+              <a:rPr lang="en-US" altLang="ko-KR" dirty="0" smtClean="0"/>
+              <a:t>.</a:t>
+            </a:r>
+          </a:p>
+          <a:p>
+            <a:pPr lvl="1"/>
             <a:endParaRPr lang="en-US" altLang="ko-KR" dirty="0" smtClean="0"/>
           </a:p>
           <a:p>
-            <a:endParaRPr lang="en-US" altLang="ko-KR" dirty="0"/>
-          </a:p>
-          <a:p>
+            <a:r>
+              <a:rPr lang="ko-KR" altLang="en-US" dirty="0" smtClean="0"/>
+              <a:t>자바스크립트의 </a:t>
+            </a:r>
+            <a:r>
+              <a:rPr lang="ko-KR" altLang="en-US" dirty="0" err="1" smtClean="0"/>
+              <a:t>클로저</a:t>
+            </a:r>
             <a:endParaRPr lang="en-US" altLang="ko-KR" dirty="0" smtClean="0"/>
           </a:p>
           <a:p>
-            <a:endParaRPr lang="en-US" altLang="ko-KR" dirty="0"/>
-          </a:p>
-          <a:p>
+            <a:pPr marL="502920" lvl="1" indent="0">
+              <a:buNone/>
+            </a:pPr>
+            <a:endParaRPr lang="ko-KR" altLang="en-US" dirty="0"/>
+          </a:p>
+          <a:p>
+            <a:pPr lvl="1"/>
+            <a:r>
+              <a:rPr lang="ko-KR" altLang="en-US" dirty="0"/>
+              <a:t>자바스크립트에서 </a:t>
+            </a:r>
+            <a:r>
+              <a:rPr lang="ko-KR" altLang="en-US" dirty="0" err="1"/>
+              <a:t>클로저는</a:t>
+            </a:r>
+            <a:r>
+              <a:rPr lang="ko-KR" altLang="en-US" dirty="0"/>
+              <a:t> 함수가 생성되는 시점에 </a:t>
+            </a:r>
+            <a:r>
+              <a:rPr lang="ko-KR" altLang="en-US" dirty="0" smtClean="0"/>
+              <a:t>생성</a:t>
+            </a:r>
+            <a:r>
+              <a:rPr lang="en-US" altLang="ko-KR" dirty="0" smtClean="0"/>
+              <a:t>.</a:t>
+            </a:r>
+            <a:r>
+              <a:rPr lang="en-US" altLang="ko-KR" dirty="0"/>
+              <a:t/>
+            </a:r>
+            <a:br>
+              <a:rPr lang="en-US" altLang="ko-KR" dirty="0"/>
+            </a:br>
+            <a:r>
+              <a:rPr lang="en-US" altLang="ko-KR" dirty="0"/>
+              <a:t>= </a:t>
+            </a:r>
+            <a:r>
+              <a:rPr lang="ko-KR" altLang="en-US" dirty="0"/>
+              <a:t>함수가 생성될 때 그 함수의 </a:t>
+            </a:r>
+            <a:r>
+              <a:rPr lang="ko-KR" altLang="en-US" dirty="0" err="1"/>
+              <a:t>렉시컬</a:t>
+            </a:r>
+            <a:r>
+              <a:rPr lang="ko-KR" altLang="en-US" dirty="0"/>
+              <a:t> 환경을 포섭</a:t>
+            </a:r>
+            <a:r>
+              <a:rPr lang="en-US" altLang="ko-KR" dirty="0"/>
+              <a:t>(closure)</a:t>
+            </a:r>
+            <a:r>
+              <a:rPr lang="ko-KR" altLang="en-US" dirty="0"/>
+              <a:t>하여 실행될 때 </a:t>
+            </a:r>
+            <a:r>
+              <a:rPr lang="ko-KR" altLang="en-US" dirty="0" smtClean="0"/>
+              <a:t>이용</a:t>
+            </a:r>
+            <a:r>
+              <a:rPr lang="en-US" altLang="ko-KR" dirty="0" smtClean="0"/>
+              <a:t>.</a:t>
+            </a:r>
+          </a:p>
+          <a:p>
+            <a:pPr lvl="1"/>
             <a:endParaRPr lang="en-US" altLang="ko-KR" dirty="0" smtClean="0"/>
           </a:p>
           <a:p>
-            <a:endParaRPr lang="en-US" altLang="ko-KR" dirty="0"/>
-          </a:p>
-          <a:p>
-            <a:endParaRPr lang="en-US" altLang="ko-KR" dirty="0" smtClean="0"/>
-          </a:p>
-          <a:p>
-            <a:endParaRPr lang="en-US" altLang="ko-KR" dirty="0"/>
-          </a:p>
-          <a:p>
-            <a:endParaRPr lang="en-US" altLang="ko-KR" dirty="0" smtClean="0"/>
-          </a:p>
-          <a:p>
             <a:pPr lvl="1"/>
             <a:r>
               <a:rPr lang="ko-KR" altLang="en-US" dirty="0" smtClean="0"/>
-              <a:t>정리 </a:t>
-            </a:r>
-            <a:r>
-              <a:rPr lang="en-US" altLang="ko-KR" dirty="0" smtClean="0"/>
-              <a:t>: </a:t>
-            </a:r>
-            <a:r>
-              <a:rPr lang="ko-KR" altLang="en-US" dirty="0" smtClean="0"/>
-              <a:t>내부 함수를 호출했는데 외부 함수의 스코프 변수 값이 유지되는 현상</a:t>
+              <a:t>각 함수는 자신의 </a:t>
+            </a:r>
+            <a:r>
+              <a:rPr lang="ko-KR" altLang="en-US" dirty="0" err="1" smtClean="0"/>
+              <a:t>고유값을</a:t>
+            </a:r>
+            <a:r>
+              <a:rPr lang="ko-KR" altLang="en-US" dirty="0" smtClean="0"/>
+              <a:t> 보유</a:t>
+            </a:r>
+            <a:r>
+              <a:rPr lang="en-US" altLang="ko-KR" dirty="0" smtClean="0"/>
+              <a:t>, Scope-Chain </a:t>
+            </a:r>
+            <a:r>
+              <a:rPr lang="ko-KR" altLang="en-US" dirty="0" smtClean="0"/>
+              <a:t>안의 모든 변수의 값을 유지함</a:t>
             </a:r>
             <a:r>
               <a:rPr lang="en-US" altLang="ko-KR" dirty="0" smtClean="0"/>
               <a:t>.</a:t>
             </a:r>
-          </a:p>
-        </p:txBody>
-      </p:sp>
-      <p:pic>
-        <p:nvPicPr>
-          <p:cNvPr id="3074" name="Picture 2" descr="E:\development\자바스크립트 스터디\1차\이미지파일\클로저예제.PNG"/>
-          <p:cNvPicPr>
-            <a:picLocks noChangeAspect="1" noChangeArrowheads="1"/>
-          </p:cNvPicPr>
-          <p:nvPr/>
-        </p:nvPicPr>
-        <p:blipFill>
-          <a:blip r:embed="rId2">
-            <a:extLst>
-              <a:ext uri="{28A0092B-C50C-407E-A947-70E740481C1C}">
-                <a14:useLocalDpi xmlns:a14="http://schemas.microsoft.com/office/drawing/2010/main" val="0"/>
-              </a:ext>
-            </a:extLst>
-          </a:blip>
-          <a:srcRect/>
-          <a:stretch>
-            <a:fillRect/>
-          </a:stretch>
-        </p:blipFill>
-        <p:spPr bwMode="auto">
-          <a:xfrm>
-            <a:off x="2982669" y="2022964"/>
-            <a:ext cx="2647950" cy="2895600"/>
-          </a:xfrm>
-          <a:prstGeom prst="rect">
-            <a:avLst/>
-          </a:prstGeom>
-          <a:noFill/>
-          <a:extLst>
-            <a:ext uri="{909E8E84-426E-40DD-AFC4-6F175D3DCCD1}">
-              <a14:hiddenFill xmlns:a14="http://schemas.microsoft.com/office/drawing/2010/main">
-                <a:solidFill>
-                  <a:srgbClr val="FFFFFF"/>
-                </a:solidFill>
-              </a14:hiddenFill>
-            </a:ext>
-          </a:extLst>
-        </p:spPr>
-      </p:pic>
-    </p:spTree>
-    <p:extLst>
-      <p:ext uri="{BB962C8B-B14F-4D97-AF65-F5344CB8AC3E}">
-        <p14:creationId xmlns:p14="http://schemas.microsoft.com/office/powerpoint/2010/main" val="2833649789"/>
-      </p:ext>
-    </p:extLst>
-  </p:cSld>
-  <p:clrMapOvr>
-    <a:masterClrMapping/>
-  </p:clrMapOvr>
-</p:sld>
-</file>
-
-<file path=ppt/slides/slide7.xml><?xml version="1.0" encoding="utf-8"?>
-<p:sld xmlns:a="http://schemas.openxmlformats.org/drawingml/2006/main" xmlns:r="http://schemas.openxmlformats.org/officeDocument/2006/relationships" xmlns:p="http://schemas.openxmlformats.org/presentationml/2006/main">
-  <p:cSld>
-    <p:spTree>
-      <p:nvGrpSpPr>
-        <p:cNvPr id="1" name=""/>
-        <p:cNvGrpSpPr/>
-        <p:nvPr/>
-      </p:nvGrpSpPr>
-      <p:grpSpPr>
-        <a:xfrm>
-          <a:off x="0" y="0"/>
-          <a:ext cx="0" cy="0"/>
-          <a:chOff x="0" y="0"/>
-          <a:chExt cx="0" cy="0"/>
-        </a:xfrm>
-      </p:grpSpPr>
-      <p:sp>
-        <p:nvSpPr>
-          <p:cNvPr id="2" name="제목 1"/>
-          <p:cNvSpPr>
-            <a:spLocks noGrp="1"/>
-          </p:cNvSpPr>
-          <p:nvPr>
-            <p:ph type="title"/>
-          </p:nvPr>
-        </p:nvSpPr>
-        <p:spPr/>
-        <p:txBody>
-          <a:bodyPr/>
-          <a:lstStyle/>
-          <a:p>
-            <a:endParaRPr lang="ko-KR" altLang="en-US"/>
-          </a:p>
-        </p:txBody>
-      </p:sp>
-      <p:sp>
-        <p:nvSpPr>
-          <p:cNvPr id="3" name="내용 개체 틀 2"/>
-          <p:cNvSpPr>
-            <a:spLocks noGrp="1"/>
-          </p:cNvSpPr>
-          <p:nvPr>
-            <p:ph idx="1"/>
-          </p:nvPr>
-        </p:nvSpPr>
-        <p:spPr/>
-        <p:txBody>
-          <a:bodyPr/>
-          <a:lstStyle/>
-          <a:p>
-            <a:endParaRPr lang="ko-KR" altLang="en-US" dirty="0"/>
           </a:p>
         </p:txBody>
       </p:sp>
@@ -5649,7 +7799,7 @@
   <a:extraClrSchemeLst/>
   <a:extLst>
     <a:ext uri="{05A4C25C-085E-4340-85A3-A5531E510DB2}">
-      <thm15:themeFamily xmlns:thm15="http://schemas.microsoft.com/office/thememl/2012/main" xmlns="" name="Frame" id="{F226E7A2-7162-461C-9490-D27D9DC04E43}" vid="{629A0216-3BBD-45C0-B63F-2683BEA18F60}"/>
+      <thm15:themeFamily xmlns:thm15="http://schemas.microsoft.com/office/thememl/2012/main" name="Frame" id="{F226E7A2-7162-461C-9490-D27D9DC04E43}" vid="{629A0216-3BBD-45C0-B63F-2683BEA18F60}"/>
     </a:ext>
   </a:extLst>
 </a:theme>
@@ -5910,7 +8060,7 @@
   <a:extraClrSchemeLst/>
   <a:extLst>
     <a:ext uri="{05A4C25C-085E-4340-85A3-A5531E510DB2}">
-      <thm15:themeFamily xmlns:thm15="http://schemas.microsoft.com/office/thememl/2012/main" xmlns="" name="Office Theme" id="{62F939B6-93AF-4DB8-9C6B-D6C7DFDC589F}" vid="{4A3C46E8-61CC-4603-A589-7422A47A8E4A}"/>
+      <thm15:themeFamily xmlns:thm15="http://schemas.microsoft.com/office/thememl/2012/main" name="Office Theme" id="{62F939B6-93AF-4DB8-9C6B-D6C7DFDC589F}" vid="{4A3C46E8-61CC-4603-A589-7422A47A8E4A}"/>
     </a:ext>
   </a:extLst>
 </a:theme>
